--- a/사고루틴 템플릿.pptx
+++ b/사고루틴 템플릿.pptx
@@ -6,6 +6,7 @@
   </p:sldMasterIdLst>
   <p:sldIdLst>
     <p:sldId id="256" r:id="rId2"/>
+    <p:sldId id="257" r:id="rId3"/>
   </p:sldIdLst>
   <p:sldSz cx="12801600" cy="9601200" type="A3"/>
   <p:notesSz cx="6858000" cy="9144000"/>
@@ -104,6 +105,11 @@
       </a:defRPr>
     </a:lvl9pPr>
   </p:defaultTextStyle>
+  <p:extLst>
+    <p:ext uri="{EFAFB233-063F-42B5-8137-9DF3F51BA10A}">
+      <p15:sldGuideLst xmlns:p15="http://schemas.microsoft.com/office/powerpoint/2012/main"/>
+    </p:ext>
+  </p:extLst>
 </p:presentation>
 </file>
 
@@ -238,7 +244,7 @@
           <a:p>
             <a:fld id="{12BBC4F1-0F55-4576-A7D8-39E731AC427D}" type="datetimeFigureOut">
               <a:rPr lang="ko-KR" altLang="en-US" smtClean="0"/>
-              <a:t>2025-08-11</a:t>
+              <a:t>2025-08-12</a:t>
             </a:fld>
             <a:endParaRPr lang="ko-KR" altLang="en-US"/>
           </a:p>
@@ -408,7 +414,7 @@
           <a:p>
             <a:fld id="{12BBC4F1-0F55-4576-A7D8-39E731AC427D}" type="datetimeFigureOut">
               <a:rPr lang="ko-KR" altLang="en-US" smtClean="0"/>
-              <a:t>2025-08-11</a:t>
+              <a:t>2025-08-12</a:t>
             </a:fld>
             <a:endParaRPr lang="ko-KR" altLang="en-US"/>
           </a:p>
@@ -588,7 +594,7 @@
           <a:p>
             <a:fld id="{12BBC4F1-0F55-4576-A7D8-39E731AC427D}" type="datetimeFigureOut">
               <a:rPr lang="ko-KR" altLang="en-US" smtClean="0"/>
-              <a:t>2025-08-11</a:t>
+              <a:t>2025-08-12</a:t>
             </a:fld>
             <a:endParaRPr lang="ko-KR" altLang="en-US"/>
           </a:p>
@@ -758,7 +764,7 @@
           <a:p>
             <a:fld id="{12BBC4F1-0F55-4576-A7D8-39E731AC427D}" type="datetimeFigureOut">
               <a:rPr lang="ko-KR" altLang="en-US" smtClean="0"/>
-              <a:t>2025-08-11</a:t>
+              <a:t>2025-08-12</a:t>
             </a:fld>
             <a:endParaRPr lang="ko-KR" altLang="en-US"/>
           </a:p>
@@ -1004,7 +1010,7 @@
           <a:p>
             <a:fld id="{12BBC4F1-0F55-4576-A7D8-39E731AC427D}" type="datetimeFigureOut">
               <a:rPr lang="ko-KR" altLang="en-US" smtClean="0"/>
-              <a:t>2025-08-11</a:t>
+              <a:t>2025-08-12</a:t>
             </a:fld>
             <a:endParaRPr lang="ko-KR" altLang="en-US"/>
           </a:p>
@@ -1236,7 +1242,7 @@
           <a:p>
             <a:fld id="{12BBC4F1-0F55-4576-A7D8-39E731AC427D}" type="datetimeFigureOut">
               <a:rPr lang="ko-KR" altLang="en-US" smtClean="0"/>
-              <a:t>2025-08-11</a:t>
+              <a:t>2025-08-12</a:t>
             </a:fld>
             <a:endParaRPr lang="ko-KR" altLang="en-US"/>
           </a:p>
@@ -1603,7 +1609,7 @@
           <a:p>
             <a:fld id="{12BBC4F1-0F55-4576-A7D8-39E731AC427D}" type="datetimeFigureOut">
               <a:rPr lang="ko-KR" altLang="en-US" smtClean="0"/>
-              <a:t>2025-08-11</a:t>
+              <a:t>2025-08-12</a:t>
             </a:fld>
             <a:endParaRPr lang="ko-KR" altLang="en-US"/>
           </a:p>
@@ -1721,7 +1727,7 @@
           <a:p>
             <a:fld id="{12BBC4F1-0F55-4576-A7D8-39E731AC427D}" type="datetimeFigureOut">
               <a:rPr lang="ko-KR" altLang="en-US" smtClean="0"/>
-              <a:t>2025-08-11</a:t>
+              <a:t>2025-08-12</a:t>
             </a:fld>
             <a:endParaRPr lang="ko-KR" altLang="en-US"/>
           </a:p>
@@ -1816,7 +1822,7 @@
           <a:p>
             <a:fld id="{12BBC4F1-0F55-4576-A7D8-39E731AC427D}" type="datetimeFigureOut">
               <a:rPr lang="ko-KR" altLang="en-US" smtClean="0"/>
-              <a:t>2025-08-11</a:t>
+              <a:t>2025-08-12</a:t>
             </a:fld>
             <a:endParaRPr lang="ko-KR" altLang="en-US"/>
           </a:p>
@@ -2093,7 +2099,7 @@
           <a:p>
             <a:fld id="{12BBC4F1-0F55-4576-A7D8-39E731AC427D}" type="datetimeFigureOut">
               <a:rPr lang="ko-KR" altLang="en-US" smtClean="0"/>
-              <a:t>2025-08-11</a:t>
+              <a:t>2025-08-12</a:t>
             </a:fld>
             <a:endParaRPr lang="ko-KR" altLang="en-US"/>
           </a:p>
@@ -2350,7 +2356,7 @@
           <a:p>
             <a:fld id="{12BBC4F1-0F55-4576-A7D8-39E731AC427D}" type="datetimeFigureOut">
               <a:rPr lang="ko-KR" altLang="en-US" smtClean="0"/>
-              <a:t>2025-08-11</a:t>
+              <a:t>2025-08-12</a:t>
             </a:fld>
             <a:endParaRPr lang="ko-KR" altLang="en-US"/>
           </a:p>
@@ -2563,7 +2569,7 @@
           <a:p>
             <a:fld id="{12BBC4F1-0F55-4576-A7D8-39E731AC427D}" type="datetimeFigureOut">
               <a:rPr lang="ko-KR" altLang="en-US" smtClean="0"/>
-              <a:t>2025-08-11</a:t>
+              <a:t>2025-08-12</a:t>
             </a:fld>
             <a:endParaRPr lang="ko-KR" altLang="en-US"/>
           </a:p>
@@ -3687,6 +3693,287 @@
     <p:extLst>
       <p:ext uri="{BB962C8B-B14F-4D97-AF65-F5344CB8AC3E}">
         <p14:creationId xmlns:p14="http://schemas.microsoft.com/office/powerpoint/2010/main" val="1102614432"/>
+      </p:ext>
+    </p:extLst>
+  </p:cSld>
+  <p:clrMapOvr>
+    <a:masterClrMapping/>
+  </p:clrMapOvr>
+</p:sld>
+</file>
+
+<file path=ppt/slides/slide2.xml><?xml version="1.0" encoding="utf-8"?>
+<p:sld xmlns:a="http://schemas.openxmlformats.org/drawingml/2006/main" xmlns:r="http://schemas.openxmlformats.org/officeDocument/2006/relationships" xmlns:p="http://schemas.openxmlformats.org/presentationml/2006/main">
+  <p:cSld>
+    <p:spTree>
+      <p:nvGrpSpPr>
+        <p:cNvPr id="1" name=""/>
+        <p:cNvGrpSpPr/>
+        <p:nvPr/>
+      </p:nvGrpSpPr>
+      <p:grpSpPr>
+        <a:xfrm>
+          <a:off x="0" y="0"/>
+          <a:ext cx="0" cy="0"/>
+          <a:chOff x="0" y="0"/>
+          <a:chExt cx="0" cy="0"/>
+        </a:xfrm>
+      </p:grpSpPr>
+      <p:pic>
+        <p:nvPicPr>
+          <p:cNvPr id="1026" name="Picture 2" descr="Fraction Pie Divided into Thirds">
+            <a:extLst>
+              <a:ext uri="{FF2B5EF4-FFF2-40B4-BE49-F238E27FC236}">
+                <a16:creationId xmlns:a16="http://schemas.microsoft.com/office/drawing/2014/main" id="{8D26A50A-C024-D5B5-2E5E-A2A3DA70FE61}"/>
+              </a:ext>
+            </a:extLst>
+          </p:cNvPr>
+          <p:cNvPicPr>
+            <a:picLocks noChangeAspect="1" noChangeArrowheads="1"/>
+          </p:cNvPicPr>
+          <p:nvPr/>
+        </p:nvPicPr>
+        <p:blipFill rotWithShape="1">
+          <a:blip r:embed="rId2">
+            <a:extLst>
+              <a:ext uri="{28A0092B-C50C-407E-A947-70E740481C1C}">
+                <a14:useLocalDpi xmlns:a14="http://schemas.microsoft.com/office/drawing/2010/main" val="0"/>
+              </a:ext>
+            </a:extLst>
+          </a:blip>
+          <a:srcRect l="6315" t="8446" r="6315" b="8446"/>
+          <a:stretch>
+            <a:fillRect/>
+          </a:stretch>
+        </p:blipFill>
+        <p:spPr bwMode="auto">
+          <a:xfrm>
+            <a:off x="2496457" y="1153369"/>
+            <a:ext cx="7808686" cy="8114002"/>
+          </a:xfrm>
+          <a:prstGeom prst="rect">
+            <a:avLst/>
+          </a:prstGeom>
+          <a:noFill/>
+          <a:extLst>
+            <a:ext uri="{909E8E84-426E-40DD-AFC4-6F175D3DCCD1}">
+              <a14:hiddenFill xmlns:a14="http://schemas.microsoft.com/office/drawing/2010/main">
+                <a:solidFill>
+                  <a:srgbClr val="FFFFFF"/>
+                </a:solidFill>
+              </a14:hiddenFill>
+            </a:ext>
+          </a:extLst>
+        </p:spPr>
+      </p:pic>
+      <p:sp>
+        <p:nvSpPr>
+          <p:cNvPr id="20" name="TextBox 19">
+            <a:extLst>
+              <a:ext uri="{FF2B5EF4-FFF2-40B4-BE49-F238E27FC236}">
+                <a16:creationId xmlns:a16="http://schemas.microsoft.com/office/drawing/2014/main" id="{DA836979-A914-4292-E26D-FC4CAEAC86BE}"/>
+              </a:ext>
+            </a:extLst>
+          </p:cNvPr>
+          <p:cNvSpPr txBox="1"/>
+          <p:nvPr/>
+        </p:nvSpPr>
+        <p:spPr>
+          <a:xfrm>
+            <a:off x="3200400" y="182480"/>
+            <a:ext cx="6400800" cy="584775"/>
+          </a:xfrm>
+          <a:prstGeom prst="rect">
+            <a:avLst/>
+          </a:prstGeom>
+          <a:noFill/>
+        </p:spPr>
+        <p:txBody>
+          <a:bodyPr wrap="square">
+            <a:spAutoFit/>
+          </a:bodyPr>
+          <a:lstStyle/>
+          <a:p>
+            <a:pPr algn="ctr"/>
+            <a:r>
+              <a:rPr lang="ko-KR" altLang="en-US" sz="3200" b="1" dirty="0">
+                <a:solidFill>
+                  <a:srgbClr val="000000"/>
+                </a:solidFill>
+                <a:latin typeface="나눔고딕 ExtraBold" panose="020D0904000000000000" pitchFamily="50" charset="-127"/>
+                <a:ea typeface="나눔고딕 ExtraBold" panose="020D0904000000000000" pitchFamily="50" charset="-127"/>
+              </a:rPr>
+              <a:t>관점의 원</a:t>
+            </a:r>
+            <a:r>
+              <a:rPr lang="en-US" altLang="ko-KR" sz="3200" b="1" i="0" dirty="0">
+                <a:solidFill>
+                  <a:srgbClr val="000000"/>
+                </a:solidFill>
+                <a:effectLst/>
+                <a:latin typeface="나눔고딕 ExtraBold" panose="020D0904000000000000" pitchFamily="50" charset="-127"/>
+                <a:ea typeface="나눔고딕 ExtraBold" panose="020D0904000000000000" pitchFamily="50" charset="-127"/>
+              </a:rPr>
+              <a:t>(Circle of viewpoints)</a:t>
+            </a:r>
+            <a:endParaRPr lang="ko-KR" altLang="en-US" sz="3200" dirty="0">
+              <a:latin typeface="나눔고딕 ExtraBold" panose="020D0904000000000000" pitchFamily="50" charset="-127"/>
+              <a:ea typeface="나눔고딕 ExtraBold" panose="020D0904000000000000" pitchFamily="50" charset="-127"/>
+            </a:endParaRPr>
+          </a:p>
+        </p:txBody>
+      </p:sp>
+      <p:sp>
+        <p:nvSpPr>
+          <p:cNvPr id="21" name="TextBox 20">
+            <a:extLst>
+              <a:ext uri="{FF2B5EF4-FFF2-40B4-BE49-F238E27FC236}">
+                <a16:creationId xmlns:a16="http://schemas.microsoft.com/office/drawing/2014/main" id="{A74575FC-8DF7-C4ED-60F0-3657AEFF86E5}"/>
+              </a:ext>
+            </a:extLst>
+          </p:cNvPr>
+          <p:cNvSpPr txBox="1"/>
+          <p:nvPr/>
+        </p:nvSpPr>
+        <p:spPr>
+          <a:xfrm>
+            <a:off x="-14514" y="2873171"/>
+            <a:ext cx="2946939" cy="584775"/>
+          </a:xfrm>
+          <a:prstGeom prst="rect">
+            <a:avLst/>
+          </a:prstGeom>
+          <a:noFill/>
+        </p:spPr>
+        <p:txBody>
+          <a:bodyPr wrap="square">
+            <a:spAutoFit/>
+          </a:bodyPr>
+          <a:lstStyle/>
+          <a:p>
+            <a:r>
+              <a:rPr lang="en-US" altLang="ko-KR" sz="3200" b="1" dirty="0">
+                <a:latin typeface="나눔고딕" panose="020D0604000000000000" pitchFamily="50" charset="-127"/>
+                <a:ea typeface="나눔고딕" panose="020D0604000000000000" pitchFamily="50" charset="-127"/>
+              </a:rPr>
+              <a:t>1. </a:t>
+            </a:r>
+            <a:r>
+              <a:rPr lang="ko-KR" altLang="en-US" sz="3200" b="1" dirty="0">
+                <a:latin typeface="나눔고딕" panose="020D0604000000000000" pitchFamily="50" charset="-127"/>
+                <a:ea typeface="나눔고딕" panose="020D0604000000000000" pitchFamily="50" charset="-127"/>
+              </a:rPr>
+              <a:t>관점 정하기</a:t>
+            </a:r>
+            <a:endParaRPr lang="ko-KR" altLang="en-US" sz="3200" dirty="0">
+              <a:latin typeface="나눔고딕" panose="020D0604000000000000" pitchFamily="50" charset="-127"/>
+              <a:ea typeface="나눔고딕" panose="020D0604000000000000" pitchFamily="50" charset="-127"/>
+            </a:endParaRPr>
+          </a:p>
+        </p:txBody>
+      </p:sp>
+      <p:sp>
+        <p:nvSpPr>
+          <p:cNvPr id="22" name="TextBox 21">
+            <a:extLst>
+              <a:ext uri="{FF2B5EF4-FFF2-40B4-BE49-F238E27FC236}">
+                <a16:creationId xmlns:a16="http://schemas.microsoft.com/office/drawing/2014/main" id="{8C376737-9E05-20AE-812A-F5136DE5A32E}"/>
+              </a:ext>
+            </a:extLst>
+          </p:cNvPr>
+          <p:cNvSpPr txBox="1"/>
+          <p:nvPr/>
+        </p:nvSpPr>
+        <p:spPr>
+          <a:xfrm>
+            <a:off x="10079902" y="2873171"/>
+            <a:ext cx="2946939" cy="1077218"/>
+          </a:xfrm>
+          <a:prstGeom prst="rect">
+            <a:avLst/>
+          </a:prstGeom>
+          <a:noFill/>
+        </p:spPr>
+        <p:txBody>
+          <a:bodyPr wrap="square">
+            <a:spAutoFit/>
+          </a:bodyPr>
+          <a:lstStyle/>
+          <a:p>
+            <a:r>
+              <a:rPr lang="en-US" altLang="ko-KR" sz="3200" b="1" dirty="0">
+                <a:latin typeface="나눔고딕" panose="020D0604000000000000" pitchFamily="50" charset="-127"/>
+                <a:ea typeface="나눔고딕" panose="020D0604000000000000" pitchFamily="50" charset="-127"/>
+              </a:rPr>
+              <a:t>2. </a:t>
+            </a:r>
+            <a:r>
+              <a:rPr lang="ko-KR" altLang="en-US" sz="3200" b="1" dirty="0">
+                <a:latin typeface="나눔고딕" panose="020D0604000000000000" pitchFamily="50" charset="-127"/>
+                <a:ea typeface="나눔고딕" panose="020D0604000000000000" pitchFamily="50" charset="-127"/>
+              </a:rPr>
+              <a:t>관점에 따라 생각 쓰기</a:t>
+            </a:r>
+            <a:endParaRPr lang="ko-KR" altLang="en-US" sz="3200" dirty="0">
+              <a:latin typeface="나눔고딕" panose="020D0604000000000000" pitchFamily="50" charset="-127"/>
+              <a:ea typeface="나눔고딕" panose="020D0604000000000000" pitchFamily="50" charset="-127"/>
+            </a:endParaRPr>
+          </a:p>
+        </p:txBody>
+      </p:sp>
+      <p:sp>
+        <p:nvSpPr>
+          <p:cNvPr id="23" name="TextBox 22">
+            <a:extLst>
+              <a:ext uri="{FF2B5EF4-FFF2-40B4-BE49-F238E27FC236}">
+                <a16:creationId xmlns:a16="http://schemas.microsoft.com/office/drawing/2014/main" id="{654C92CF-5B7D-C950-39F4-CC8815515D28}"/>
+              </a:ext>
+            </a:extLst>
+          </p:cNvPr>
+          <p:cNvSpPr txBox="1"/>
+          <p:nvPr/>
+        </p:nvSpPr>
+        <p:spPr>
+          <a:xfrm>
+            <a:off x="8055429" y="8523982"/>
+            <a:ext cx="4746171" cy="1077218"/>
+          </a:xfrm>
+          <a:prstGeom prst="rect">
+            <a:avLst/>
+          </a:prstGeom>
+          <a:noFill/>
+        </p:spPr>
+        <p:txBody>
+          <a:bodyPr wrap="square">
+            <a:spAutoFit/>
+          </a:bodyPr>
+          <a:lstStyle/>
+          <a:p>
+            <a:r>
+              <a:rPr lang="en-US" altLang="ko-KR" sz="3200" b="1" dirty="0">
+                <a:latin typeface="나눔고딕" panose="020D0604000000000000" pitchFamily="50" charset="-127"/>
+                <a:ea typeface="나눔고딕" panose="020D0604000000000000" pitchFamily="50" charset="-127"/>
+              </a:rPr>
+              <a:t>3. </a:t>
+            </a:r>
+            <a:r>
+              <a:rPr lang="ko-KR" altLang="en-US" sz="3200" b="1" dirty="0">
+                <a:latin typeface="나눔고딕" panose="020D0604000000000000" pitchFamily="50" charset="-127"/>
+                <a:ea typeface="나눔고딕" panose="020D0604000000000000" pitchFamily="50" charset="-127"/>
+              </a:rPr>
+              <a:t>관점에 대한 염려되거나 더 알고 싶은 것 쓰기</a:t>
+            </a:r>
+            <a:endParaRPr lang="ko-KR" altLang="en-US" sz="3200" dirty="0">
+              <a:latin typeface="나눔고딕" panose="020D0604000000000000" pitchFamily="50" charset="-127"/>
+              <a:ea typeface="나눔고딕" panose="020D0604000000000000" pitchFamily="50" charset="-127"/>
+            </a:endParaRPr>
+          </a:p>
+        </p:txBody>
+      </p:sp>
+    </p:spTree>
+    <p:extLst>
+      <p:ext uri="{BB962C8B-B14F-4D97-AF65-F5344CB8AC3E}">
+        <p14:creationId xmlns:p14="http://schemas.microsoft.com/office/powerpoint/2010/main" val="217329474"/>
       </p:ext>
     </p:extLst>
   </p:cSld>

--- a/사고루틴 템플릿.pptx
+++ b/사고루틴 템플릿.pptx
@@ -7,6 +7,8 @@
   <p:sldIdLst>
     <p:sldId id="256" r:id="rId2"/>
     <p:sldId id="257" r:id="rId3"/>
+    <p:sldId id="258" r:id="rId4"/>
+    <p:sldId id="259" r:id="rId5"/>
   </p:sldIdLst>
   <p:sldSz cx="12801600" cy="9601200" type="A3"/>
   <p:notesSz cx="6858000" cy="9144000"/>
@@ -3974,6 +3976,1425 @@
     <p:extLst>
       <p:ext uri="{BB962C8B-B14F-4D97-AF65-F5344CB8AC3E}">
         <p14:creationId xmlns:p14="http://schemas.microsoft.com/office/powerpoint/2010/main" val="217329474"/>
+      </p:ext>
+    </p:extLst>
+  </p:cSld>
+  <p:clrMapOvr>
+    <a:masterClrMapping/>
+  </p:clrMapOvr>
+</p:sld>
+</file>
+
+<file path=ppt/slides/slide3.xml><?xml version="1.0" encoding="utf-8"?>
+<p:sld xmlns:a="http://schemas.openxmlformats.org/drawingml/2006/main" xmlns:r="http://schemas.openxmlformats.org/officeDocument/2006/relationships" xmlns:p="http://schemas.openxmlformats.org/presentationml/2006/main">
+  <p:cSld>
+    <p:spTree>
+      <p:nvGrpSpPr>
+        <p:cNvPr id="1" name=""/>
+        <p:cNvGrpSpPr/>
+        <p:nvPr/>
+      </p:nvGrpSpPr>
+      <p:grpSpPr>
+        <a:xfrm>
+          <a:off x="0" y="0"/>
+          <a:ext cx="0" cy="0"/>
+          <a:chOff x="0" y="0"/>
+          <a:chExt cx="0" cy="0"/>
+        </a:xfrm>
+      </p:grpSpPr>
+      <p:sp>
+        <p:nvSpPr>
+          <p:cNvPr id="2" name="TextBox 1">
+            <a:extLst>
+              <a:ext uri="{FF2B5EF4-FFF2-40B4-BE49-F238E27FC236}">
+                <a16:creationId xmlns:a16="http://schemas.microsoft.com/office/drawing/2014/main" id="{9C3298D0-E885-394F-5B2A-31289E3E576B}"/>
+              </a:ext>
+            </a:extLst>
+          </p:cNvPr>
+          <p:cNvSpPr txBox="1"/>
+          <p:nvPr/>
+        </p:nvSpPr>
+        <p:spPr>
+          <a:xfrm>
+            <a:off x="1944914" y="182480"/>
+            <a:ext cx="8911772" cy="584775"/>
+          </a:xfrm>
+          <a:prstGeom prst="rect">
+            <a:avLst/>
+          </a:prstGeom>
+          <a:noFill/>
+        </p:spPr>
+        <p:txBody>
+          <a:bodyPr wrap="square">
+            <a:spAutoFit/>
+          </a:bodyPr>
+          <a:lstStyle/>
+          <a:p>
+            <a:pPr algn="ctr"/>
+            <a:r>
+              <a:rPr lang="ko-KR" altLang="en-US" sz="3200" b="1" dirty="0">
+                <a:solidFill>
+                  <a:srgbClr val="000000"/>
+                </a:solidFill>
+                <a:latin typeface="나눔고딕 ExtraBold" panose="020D0904000000000000" pitchFamily="50" charset="-127"/>
+                <a:ea typeface="나눔고딕 ExtraBold" panose="020D0904000000000000" pitchFamily="50" charset="-127"/>
+              </a:rPr>
+              <a:t>연결</a:t>
+            </a:r>
+            <a:r>
+              <a:rPr lang="en-US" altLang="ko-KR" sz="3200" b="1" dirty="0">
+                <a:solidFill>
+                  <a:srgbClr val="000000"/>
+                </a:solidFill>
+                <a:latin typeface="나눔고딕 ExtraBold" panose="020D0904000000000000" pitchFamily="50" charset="-127"/>
+                <a:ea typeface="나눔고딕 ExtraBold" panose="020D0904000000000000" pitchFamily="50" charset="-127"/>
+              </a:rPr>
+              <a:t>, </a:t>
+            </a:r>
+            <a:r>
+              <a:rPr lang="ko-KR" altLang="en-US" sz="3200" b="1" dirty="0">
+                <a:solidFill>
+                  <a:srgbClr val="000000"/>
+                </a:solidFill>
+                <a:latin typeface="나눔고딕 ExtraBold" panose="020D0904000000000000" pitchFamily="50" charset="-127"/>
+                <a:ea typeface="나눔고딕 ExtraBold" panose="020D0904000000000000" pitchFamily="50" charset="-127"/>
+              </a:rPr>
+              <a:t>확장</a:t>
+            </a:r>
+            <a:r>
+              <a:rPr lang="en-US" altLang="ko-KR" sz="3200" b="1" dirty="0">
+                <a:solidFill>
+                  <a:srgbClr val="000000"/>
+                </a:solidFill>
+                <a:latin typeface="나눔고딕 ExtraBold" panose="020D0904000000000000" pitchFamily="50" charset="-127"/>
+                <a:ea typeface="나눔고딕 ExtraBold" panose="020D0904000000000000" pitchFamily="50" charset="-127"/>
+              </a:rPr>
+              <a:t>, </a:t>
+            </a:r>
+            <a:r>
+              <a:rPr lang="ko-KR" altLang="en-US" sz="3200" b="1" dirty="0">
+                <a:solidFill>
+                  <a:srgbClr val="000000"/>
+                </a:solidFill>
+                <a:latin typeface="나눔고딕 ExtraBold" panose="020D0904000000000000" pitchFamily="50" charset="-127"/>
+                <a:ea typeface="나눔고딕 ExtraBold" panose="020D0904000000000000" pitchFamily="50" charset="-127"/>
+              </a:rPr>
+              <a:t>도전</a:t>
+            </a:r>
+            <a:r>
+              <a:rPr lang="en-US" altLang="ko-KR" sz="3200" b="1" dirty="0">
+                <a:solidFill>
+                  <a:srgbClr val="000000"/>
+                </a:solidFill>
+                <a:latin typeface="나눔고딕 ExtraBold" panose="020D0904000000000000" pitchFamily="50" charset="-127"/>
+                <a:ea typeface="나눔고딕 ExtraBold" panose="020D0904000000000000" pitchFamily="50" charset="-127"/>
+              </a:rPr>
+              <a:t>(</a:t>
+            </a:r>
+            <a:r>
+              <a:rPr lang="en-US" altLang="ko-KR" sz="3200" b="1" i="0" dirty="0">
+                <a:solidFill>
+                  <a:srgbClr val="000000"/>
+                </a:solidFill>
+                <a:effectLst/>
+                <a:latin typeface="나눔고딕 ExtraBold" panose="020D0904000000000000" pitchFamily="50" charset="-127"/>
+                <a:ea typeface="나눔고딕 ExtraBold" panose="020D0904000000000000" pitchFamily="50" charset="-127"/>
+              </a:rPr>
+              <a:t>Connect, Extend, Challenge)</a:t>
+            </a:r>
+            <a:endParaRPr lang="ko-KR" altLang="en-US" sz="3200" dirty="0">
+              <a:latin typeface="나눔고딕 ExtraBold" panose="020D0904000000000000" pitchFamily="50" charset="-127"/>
+              <a:ea typeface="나눔고딕 ExtraBold" panose="020D0904000000000000" pitchFamily="50" charset="-127"/>
+            </a:endParaRPr>
+          </a:p>
+        </p:txBody>
+      </p:sp>
+      <p:grpSp>
+        <p:nvGrpSpPr>
+          <p:cNvPr id="6" name="그룹 5">
+            <a:extLst>
+              <a:ext uri="{FF2B5EF4-FFF2-40B4-BE49-F238E27FC236}">
+                <a16:creationId xmlns:a16="http://schemas.microsoft.com/office/drawing/2014/main" id="{D7AE54D4-4609-C4C2-740F-998E1324B496}"/>
+              </a:ext>
+            </a:extLst>
+          </p:cNvPr>
+          <p:cNvGrpSpPr/>
+          <p:nvPr/>
+        </p:nvGrpSpPr>
+        <p:grpSpPr>
+          <a:xfrm>
+            <a:off x="113475" y="928256"/>
+            <a:ext cx="12574650" cy="1263401"/>
+            <a:chOff x="110836" y="928256"/>
+            <a:chExt cx="13227792" cy="4176142"/>
+          </a:xfrm>
+        </p:grpSpPr>
+        <p:sp>
+          <p:nvSpPr>
+            <p:cNvPr id="3" name="직사각형 2">
+              <a:extLst>
+                <a:ext uri="{FF2B5EF4-FFF2-40B4-BE49-F238E27FC236}">
+                  <a16:creationId xmlns:a16="http://schemas.microsoft.com/office/drawing/2014/main" id="{851D24B6-3EFC-87B3-98B7-FD5DE3A99BDD}"/>
+                </a:ext>
+              </a:extLst>
+            </p:cNvPr>
+            <p:cNvSpPr/>
+            <p:nvPr/>
+          </p:nvSpPr>
+          <p:spPr>
+            <a:xfrm>
+              <a:off x="110836" y="928256"/>
+              <a:ext cx="4257964" cy="4176142"/>
+            </a:xfrm>
+            <a:prstGeom prst="rect">
+              <a:avLst/>
+            </a:prstGeom>
+            <a:noFill/>
+            <a:ln w="28575">
+              <a:solidFill>
+                <a:schemeClr val="tx1"/>
+              </a:solidFill>
+            </a:ln>
+          </p:spPr>
+          <p:style>
+            <a:lnRef idx="2">
+              <a:schemeClr val="accent1">
+                <a:shade val="15000"/>
+              </a:schemeClr>
+            </a:lnRef>
+            <a:fillRef idx="1">
+              <a:schemeClr val="accent1"/>
+            </a:fillRef>
+            <a:effectRef idx="0">
+              <a:schemeClr val="accent1"/>
+            </a:effectRef>
+            <a:fontRef idx="minor">
+              <a:schemeClr val="lt1"/>
+            </a:fontRef>
+          </p:style>
+          <p:txBody>
+            <a:bodyPr rtlCol="0" anchor="ctr"/>
+            <a:lstStyle/>
+            <a:p>
+              <a:pPr algn="ctr"/>
+              <a:endParaRPr lang="ko-KR" altLang="en-US"/>
+            </a:p>
+          </p:txBody>
+        </p:sp>
+        <p:sp>
+          <p:nvSpPr>
+            <p:cNvPr id="4" name="직사각형 3">
+              <a:extLst>
+                <a:ext uri="{FF2B5EF4-FFF2-40B4-BE49-F238E27FC236}">
+                  <a16:creationId xmlns:a16="http://schemas.microsoft.com/office/drawing/2014/main" id="{730D00E1-976C-454A-7541-A96DA3BA3B84}"/>
+                </a:ext>
+              </a:extLst>
+            </p:cNvPr>
+            <p:cNvSpPr/>
+            <p:nvPr/>
+          </p:nvSpPr>
+          <p:spPr>
+            <a:xfrm>
+              <a:off x="4595750" y="928256"/>
+              <a:ext cx="4257964" cy="4176142"/>
+            </a:xfrm>
+            <a:prstGeom prst="rect">
+              <a:avLst/>
+            </a:prstGeom>
+            <a:noFill/>
+            <a:ln w="28575">
+              <a:solidFill>
+                <a:schemeClr val="tx1"/>
+              </a:solidFill>
+            </a:ln>
+          </p:spPr>
+          <p:style>
+            <a:lnRef idx="2">
+              <a:schemeClr val="accent1">
+                <a:shade val="15000"/>
+              </a:schemeClr>
+            </a:lnRef>
+            <a:fillRef idx="1">
+              <a:schemeClr val="accent1"/>
+            </a:fillRef>
+            <a:effectRef idx="0">
+              <a:schemeClr val="accent1"/>
+            </a:effectRef>
+            <a:fontRef idx="minor">
+              <a:schemeClr val="lt1"/>
+            </a:fontRef>
+          </p:style>
+          <p:txBody>
+            <a:bodyPr rtlCol="0" anchor="ctr"/>
+            <a:lstStyle/>
+            <a:p>
+              <a:pPr algn="ctr"/>
+              <a:endParaRPr lang="ko-KR" altLang="en-US"/>
+            </a:p>
+          </p:txBody>
+        </p:sp>
+        <p:sp>
+          <p:nvSpPr>
+            <p:cNvPr id="5" name="직사각형 4">
+              <a:extLst>
+                <a:ext uri="{FF2B5EF4-FFF2-40B4-BE49-F238E27FC236}">
+                  <a16:creationId xmlns:a16="http://schemas.microsoft.com/office/drawing/2014/main" id="{0F821BF1-F826-8AB6-0912-BE4036CC56A3}"/>
+                </a:ext>
+              </a:extLst>
+            </p:cNvPr>
+            <p:cNvSpPr/>
+            <p:nvPr/>
+          </p:nvSpPr>
+          <p:spPr>
+            <a:xfrm>
+              <a:off x="9080664" y="928256"/>
+              <a:ext cx="4257964" cy="4176142"/>
+            </a:xfrm>
+            <a:prstGeom prst="rect">
+              <a:avLst/>
+            </a:prstGeom>
+            <a:noFill/>
+            <a:ln w="28575">
+              <a:solidFill>
+                <a:schemeClr val="tx1"/>
+              </a:solidFill>
+            </a:ln>
+          </p:spPr>
+          <p:style>
+            <a:lnRef idx="2">
+              <a:schemeClr val="accent1">
+                <a:shade val="15000"/>
+              </a:schemeClr>
+            </a:lnRef>
+            <a:fillRef idx="1">
+              <a:schemeClr val="accent1"/>
+            </a:fillRef>
+            <a:effectRef idx="0">
+              <a:schemeClr val="accent1"/>
+            </a:effectRef>
+            <a:fontRef idx="minor">
+              <a:schemeClr val="lt1"/>
+            </a:fontRef>
+          </p:style>
+          <p:txBody>
+            <a:bodyPr rtlCol="0" anchor="ctr"/>
+            <a:lstStyle/>
+            <a:p>
+              <a:pPr algn="ctr"/>
+              <a:endParaRPr lang="ko-KR" altLang="en-US"/>
+            </a:p>
+          </p:txBody>
+        </p:sp>
+      </p:grpSp>
+      <p:grpSp>
+        <p:nvGrpSpPr>
+          <p:cNvPr id="7" name="그룹 6">
+            <a:extLst>
+              <a:ext uri="{FF2B5EF4-FFF2-40B4-BE49-F238E27FC236}">
+                <a16:creationId xmlns:a16="http://schemas.microsoft.com/office/drawing/2014/main" id="{A17C44EB-4D7A-4149-CC85-D1A43CADD480}"/>
+              </a:ext>
+            </a:extLst>
+          </p:cNvPr>
+          <p:cNvGrpSpPr/>
+          <p:nvPr/>
+        </p:nvGrpSpPr>
+        <p:grpSpPr>
+          <a:xfrm>
+            <a:off x="113475" y="2190998"/>
+            <a:ext cx="12574650" cy="7227722"/>
+            <a:chOff x="110836" y="928256"/>
+            <a:chExt cx="13227792" cy="4176142"/>
+          </a:xfrm>
+        </p:grpSpPr>
+        <p:sp>
+          <p:nvSpPr>
+            <p:cNvPr id="8" name="직사각형 7">
+              <a:extLst>
+                <a:ext uri="{FF2B5EF4-FFF2-40B4-BE49-F238E27FC236}">
+                  <a16:creationId xmlns:a16="http://schemas.microsoft.com/office/drawing/2014/main" id="{3A0DDD73-00B0-1DD5-A3F1-63DFB1ADD013}"/>
+                </a:ext>
+              </a:extLst>
+            </p:cNvPr>
+            <p:cNvSpPr/>
+            <p:nvPr/>
+          </p:nvSpPr>
+          <p:spPr>
+            <a:xfrm>
+              <a:off x="110836" y="928256"/>
+              <a:ext cx="4257964" cy="4176142"/>
+            </a:xfrm>
+            <a:prstGeom prst="rect">
+              <a:avLst/>
+            </a:prstGeom>
+            <a:noFill/>
+            <a:ln w="28575">
+              <a:solidFill>
+                <a:schemeClr val="tx1"/>
+              </a:solidFill>
+            </a:ln>
+          </p:spPr>
+          <p:style>
+            <a:lnRef idx="2">
+              <a:schemeClr val="accent1">
+                <a:shade val="15000"/>
+              </a:schemeClr>
+            </a:lnRef>
+            <a:fillRef idx="1">
+              <a:schemeClr val="accent1"/>
+            </a:fillRef>
+            <a:effectRef idx="0">
+              <a:schemeClr val="accent1"/>
+            </a:effectRef>
+            <a:fontRef idx="minor">
+              <a:schemeClr val="lt1"/>
+            </a:fontRef>
+          </p:style>
+          <p:txBody>
+            <a:bodyPr rtlCol="0" anchor="ctr"/>
+            <a:lstStyle/>
+            <a:p>
+              <a:pPr algn="ctr"/>
+              <a:endParaRPr lang="ko-KR" altLang="en-US"/>
+            </a:p>
+          </p:txBody>
+        </p:sp>
+        <p:sp>
+          <p:nvSpPr>
+            <p:cNvPr id="9" name="직사각형 8">
+              <a:extLst>
+                <a:ext uri="{FF2B5EF4-FFF2-40B4-BE49-F238E27FC236}">
+                  <a16:creationId xmlns:a16="http://schemas.microsoft.com/office/drawing/2014/main" id="{A0AE8F63-1774-DE39-0B5C-216DEBCCE40D}"/>
+                </a:ext>
+              </a:extLst>
+            </p:cNvPr>
+            <p:cNvSpPr/>
+            <p:nvPr/>
+          </p:nvSpPr>
+          <p:spPr>
+            <a:xfrm>
+              <a:off x="4595750" y="928256"/>
+              <a:ext cx="4257964" cy="4176142"/>
+            </a:xfrm>
+            <a:prstGeom prst="rect">
+              <a:avLst/>
+            </a:prstGeom>
+            <a:noFill/>
+            <a:ln w="28575">
+              <a:solidFill>
+                <a:schemeClr val="tx1"/>
+              </a:solidFill>
+            </a:ln>
+          </p:spPr>
+          <p:style>
+            <a:lnRef idx="2">
+              <a:schemeClr val="accent1">
+                <a:shade val="15000"/>
+              </a:schemeClr>
+            </a:lnRef>
+            <a:fillRef idx="1">
+              <a:schemeClr val="accent1"/>
+            </a:fillRef>
+            <a:effectRef idx="0">
+              <a:schemeClr val="accent1"/>
+            </a:effectRef>
+            <a:fontRef idx="minor">
+              <a:schemeClr val="lt1"/>
+            </a:fontRef>
+          </p:style>
+          <p:txBody>
+            <a:bodyPr rtlCol="0" anchor="ctr"/>
+            <a:lstStyle/>
+            <a:p>
+              <a:pPr algn="ctr"/>
+              <a:endParaRPr lang="ko-KR" altLang="en-US"/>
+            </a:p>
+          </p:txBody>
+        </p:sp>
+        <p:sp>
+          <p:nvSpPr>
+            <p:cNvPr id="10" name="직사각형 9">
+              <a:extLst>
+                <a:ext uri="{FF2B5EF4-FFF2-40B4-BE49-F238E27FC236}">
+                  <a16:creationId xmlns:a16="http://schemas.microsoft.com/office/drawing/2014/main" id="{09ADDC84-60BB-5004-B6A4-B07CCDC4B7EF}"/>
+                </a:ext>
+              </a:extLst>
+            </p:cNvPr>
+            <p:cNvSpPr/>
+            <p:nvPr/>
+          </p:nvSpPr>
+          <p:spPr>
+            <a:xfrm>
+              <a:off x="9080664" y="928256"/>
+              <a:ext cx="4257964" cy="4176142"/>
+            </a:xfrm>
+            <a:prstGeom prst="rect">
+              <a:avLst/>
+            </a:prstGeom>
+            <a:noFill/>
+            <a:ln w="28575">
+              <a:solidFill>
+                <a:schemeClr val="tx1"/>
+              </a:solidFill>
+            </a:ln>
+          </p:spPr>
+          <p:style>
+            <a:lnRef idx="2">
+              <a:schemeClr val="accent1">
+                <a:shade val="15000"/>
+              </a:schemeClr>
+            </a:lnRef>
+            <a:fillRef idx="1">
+              <a:schemeClr val="accent1"/>
+            </a:fillRef>
+            <a:effectRef idx="0">
+              <a:schemeClr val="accent1"/>
+            </a:effectRef>
+            <a:fontRef idx="minor">
+              <a:schemeClr val="lt1"/>
+            </a:fontRef>
+          </p:style>
+          <p:txBody>
+            <a:bodyPr rtlCol="0" anchor="ctr"/>
+            <a:lstStyle/>
+            <a:p>
+              <a:pPr algn="ctr"/>
+              <a:endParaRPr lang="ko-KR" altLang="en-US"/>
+            </a:p>
+          </p:txBody>
+        </p:sp>
+      </p:grpSp>
+      <p:sp>
+        <p:nvSpPr>
+          <p:cNvPr id="12" name="TextBox 11">
+            <a:extLst>
+              <a:ext uri="{FF2B5EF4-FFF2-40B4-BE49-F238E27FC236}">
+                <a16:creationId xmlns:a16="http://schemas.microsoft.com/office/drawing/2014/main" id="{94F2782E-BAF5-A0BC-6980-791D3F1D9DA5}"/>
+              </a:ext>
+            </a:extLst>
+          </p:cNvPr>
+          <p:cNvSpPr txBox="1"/>
+          <p:nvPr/>
+        </p:nvSpPr>
+        <p:spPr>
+          <a:xfrm>
+            <a:off x="820163" y="928256"/>
+            <a:ext cx="2634343" cy="584775"/>
+          </a:xfrm>
+          <a:prstGeom prst="rect">
+            <a:avLst/>
+          </a:prstGeom>
+          <a:noFill/>
+        </p:spPr>
+        <p:txBody>
+          <a:bodyPr wrap="square">
+            <a:spAutoFit/>
+          </a:bodyPr>
+          <a:lstStyle/>
+          <a:p>
+            <a:pPr algn="ctr"/>
+            <a:r>
+              <a:rPr lang="ko-KR" altLang="en-US" sz="3200" b="1" dirty="0">
+                <a:solidFill>
+                  <a:srgbClr val="000000"/>
+                </a:solidFill>
+                <a:latin typeface="나눔고딕 ExtraBold" panose="020D0904000000000000" pitchFamily="50" charset="-127"/>
+                <a:ea typeface="나눔고딕 ExtraBold" panose="020D0904000000000000" pitchFamily="50" charset="-127"/>
+              </a:rPr>
+              <a:t>연결</a:t>
+            </a:r>
+            <a:endParaRPr lang="ko-KR" altLang="en-US" sz="3200" dirty="0"/>
+          </a:p>
+        </p:txBody>
+      </p:sp>
+      <p:sp>
+        <p:nvSpPr>
+          <p:cNvPr id="13" name="TextBox 12">
+            <a:extLst>
+              <a:ext uri="{FF2B5EF4-FFF2-40B4-BE49-F238E27FC236}">
+                <a16:creationId xmlns:a16="http://schemas.microsoft.com/office/drawing/2014/main" id="{EBA137CA-318A-AE8F-7143-ABF3CC8025B3}"/>
+              </a:ext>
+            </a:extLst>
+          </p:cNvPr>
+          <p:cNvSpPr txBox="1"/>
+          <p:nvPr/>
+        </p:nvSpPr>
+        <p:spPr>
+          <a:xfrm>
+            <a:off x="5083628" y="928256"/>
+            <a:ext cx="2634343" cy="584775"/>
+          </a:xfrm>
+          <a:prstGeom prst="rect">
+            <a:avLst/>
+          </a:prstGeom>
+          <a:noFill/>
+        </p:spPr>
+        <p:txBody>
+          <a:bodyPr wrap="square">
+            <a:spAutoFit/>
+          </a:bodyPr>
+          <a:lstStyle/>
+          <a:p>
+            <a:pPr algn="ctr"/>
+            <a:r>
+              <a:rPr lang="ko-KR" altLang="en-US" sz="3200" b="1" i="0" dirty="0">
+                <a:solidFill>
+                  <a:srgbClr val="000000"/>
+                </a:solidFill>
+                <a:effectLst/>
+                <a:latin typeface="나눔고딕 ExtraBold" panose="020D0904000000000000" pitchFamily="50" charset="-127"/>
+                <a:ea typeface="나눔고딕 ExtraBold" panose="020D0904000000000000" pitchFamily="50" charset="-127"/>
+              </a:rPr>
+              <a:t>확장</a:t>
+            </a:r>
+            <a:endParaRPr lang="ko-KR" altLang="en-US" sz="3200" dirty="0"/>
+          </a:p>
+        </p:txBody>
+      </p:sp>
+      <p:sp>
+        <p:nvSpPr>
+          <p:cNvPr id="14" name="TextBox 13">
+            <a:extLst>
+              <a:ext uri="{FF2B5EF4-FFF2-40B4-BE49-F238E27FC236}">
+                <a16:creationId xmlns:a16="http://schemas.microsoft.com/office/drawing/2014/main" id="{A6E0F30E-FF20-6227-2FAA-72AFD80D0E73}"/>
+              </a:ext>
+            </a:extLst>
+          </p:cNvPr>
+          <p:cNvSpPr txBox="1"/>
+          <p:nvPr/>
+        </p:nvSpPr>
+        <p:spPr>
+          <a:xfrm>
+            <a:off x="9347094" y="928256"/>
+            <a:ext cx="2634343" cy="584775"/>
+          </a:xfrm>
+          <a:prstGeom prst="rect">
+            <a:avLst/>
+          </a:prstGeom>
+          <a:noFill/>
+        </p:spPr>
+        <p:txBody>
+          <a:bodyPr wrap="square">
+            <a:spAutoFit/>
+          </a:bodyPr>
+          <a:lstStyle/>
+          <a:p>
+            <a:pPr algn="ctr"/>
+            <a:r>
+              <a:rPr lang="ko-KR" altLang="en-US" sz="3200" b="1" i="0" dirty="0">
+                <a:solidFill>
+                  <a:srgbClr val="000000"/>
+                </a:solidFill>
+                <a:effectLst/>
+                <a:latin typeface="나눔고딕 ExtraBold" panose="020D0904000000000000" pitchFamily="50" charset="-127"/>
+                <a:ea typeface="나눔고딕 ExtraBold" panose="020D0904000000000000" pitchFamily="50" charset="-127"/>
+              </a:rPr>
+              <a:t>도전</a:t>
+            </a:r>
+            <a:endParaRPr lang="ko-KR" altLang="en-US" sz="3200" dirty="0"/>
+          </a:p>
+        </p:txBody>
+      </p:sp>
+      <p:sp>
+        <p:nvSpPr>
+          <p:cNvPr id="15" name="TextBox 14">
+            <a:extLst>
+              <a:ext uri="{FF2B5EF4-FFF2-40B4-BE49-F238E27FC236}">
+                <a16:creationId xmlns:a16="http://schemas.microsoft.com/office/drawing/2014/main" id="{BD14C1FF-DC5C-6738-1901-E710341BCB7A}"/>
+              </a:ext>
+            </a:extLst>
+          </p:cNvPr>
+          <p:cNvSpPr txBox="1"/>
+          <p:nvPr/>
+        </p:nvSpPr>
+        <p:spPr>
+          <a:xfrm>
+            <a:off x="113476" y="1445222"/>
+            <a:ext cx="4047718" cy="707886"/>
+          </a:xfrm>
+          <a:prstGeom prst="rect">
+            <a:avLst/>
+          </a:prstGeom>
+          <a:noFill/>
+        </p:spPr>
+        <p:txBody>
+          <a:bodyPr wrap="square">
+            <a:spAutoFit/>
+          </a:bodyPr>
+          <a:lstStyle/>
+          <a:p>
+            <a:pPr algn="ctr"/>
+            <a:r>
+              <a:rPr lang="ko-KR" altLang="en-US" sz="2000" dirty="0">
+                <a:solidFill>
+                  <a:srgbClr val="000000"/>
+                </a:solidFill>
+                <a:latin typeface="나눔고딕" panose="020D0604000000000000" pitchFamily="50" charset="-127"/>
+                <a:ea typeface="나눔고딕" panose="020D0604000000000000" pitchFamily="50" charset="-127"/>
+              </a:rPr>
+              <a:t>제시된 아이디어나 정보가 내가 이미 알고 있는 것과 어떻게 연결되나요</a:t>
+            </a:r>
+            <a:r>
+              <a:rPr lang="en-US" altLang="ko-KR" sz="2000" dirty="0">
+                <a:solidFill>
+                  <a:srgbClr val="000000"/>
+                </a:solidFill>
+                <a:latin typeface="나눔고딕" panose="020D0604000000000000" pitchFamily="50" charset="-127"/>
+                <a:ea typeface="나눔고딕" panose="020D0604000000000000" pitchFamily="50" charset="-127"/>
+              </a:rPr>
+              <a:t>?</a:t>
+            </a:r>
+            <a:endParaRPr lang="ko-KR" altLang="en-US" sz="2000" dirty="0">
+              <a:latin typeface="나눔고딕" panose="020D0604000000000000" pitchFamily="50" charset="-127"/>
+              <a:ea typeface="나눔고딕" panose="020D0604000000000000" pitchFamily="50" charset="-127"/>
+            </a:endParaRPr>
+          </a:p>
+        </p:txBody>
+      </p:sp>
+      <p:sp>
+        <p:nvSpPr>
+          <p:cNvPr id="16" name="TextBox 15">
+            <a:extLst>
+              <a:ext uri="{FF2B5EF4-FFF2-40B4-BE49-F238E27FC236}">
+                <a16:creationId xmlns:a16="http://schemas.microsoft.com/office/drawing/2014/main" id="{7CABCC3B-A27E-6A6D-6F53-611DDA131779}"/>
+              </a:ext>
+            </a:extLst>
+          </p:cNvPr>
+          <p:cNvSpPr txBox="1"/>
+          <p:nvPr/>
+        </p:nvSpPr>
+        <p:spPr>
+          <a:xfrm>
+            <a:off x="4376943" y="1445222"/>
+            <a:ext cx="4047718" cy="707886"/>
+          </a:xfrm>
+          <a:prstGeom prst="rect">
+            <a:avLst/>
+          </a:prstGeom>
+          <a:noFill/>
+        </p:spPr>
+        <p:txBody>
+          <a:bodyPr wrap="square">
+            <a:spAutoFit/>
+          </a:bodyPr>
+          <a:lstStyle/>
+          <a:p>
+            <a:pPr algn="ctr"/>
+            <a:r>
+              <a:rPr lang="ko-KR" altLang="en-US" sz="2000" dirty="0">
+                <a:solidFill>
+                  <a:srgbClr val="000000"/>
+                </a:solidFill>
+                <a:latin typeface="나눔고딕" panose="020D0604000000000000" pitchFamily="50" charset="-127"/>
+                <a:ea typeface="나눔고딕" panose="020D0604000000000000" pitchFamily="50" charset="-127"/>
+              </a:rPr>
+              <a:t>여러분의 생각을 새로운 방향으로 넓혀준 새 아이디어는 무엇이었나요</a:t>
+            </a:r>
+            <a:r>
+              <a:rPr lang="en-US" altLang="ko-KR" sz="2000" dirty="0">
+                <a:solidFill>
+                  <a:srgbClr val="000000"/>
+                </a:solidFill>
+                <a:latin typeface="나눔고딕" panose="020D0604000000000000" pitchFamily="50" charset="-127"/>
+                <a:ea typeface="나눔고딕" panose="020D0604000000000000" pitchFamily="50" charset="-127"/>
+              </a:rPr>
+              <a:t>?</a:t>
+            </a:r>
+            <a:endParaRPr lang="ko-KR" altLang="en-US" sz="2000" dirty="0">
+              <a:latin typeface="나눔고딕" panose="020D0604000000000000" pitchFamily="50" charset="-127"/>
+              <a:ea typeface="나눔고딕" panose="020D0604000000000000" pitchFamily="50" charset="-127"/>
+            </a:endParaRPr>
+          </a:p>
+        </p:txBody>
+      </p:sp>
+      <p:sp>
+        <p:nvSpPr>
+          <p:cNvPr id="17" name="TextBox 16">
+            <a:extLst>
+              <a:ext uri="{FF2B5EF4-FFF2-40B4-BE49-F238E27FC236}">
+                <a16:creationId xmlns:a16="http://schemas.microsoft.com/office/drawing/2014/main" id="{5966489C-4F44-B2E5-38AF-E811A47201A1}"/>
+              </a:ext>
+            </a:extLst>
+          </p:cNvPr>
+          <p:cNvSpPr txBox="1"/>
+          <p:nvPr/>
+        </p:nvSpPr>
+        <p:spPr>
+          <a:xfrm>
+            <a:off x="8640404" y="1445222"/>
+            <a:ext cx="4047718" cy="707886"/>
+          </a:xfrm>
+          <a:prstGeom prst="rect">
+            <a:avLst/>
+          </a:prstGeom>
+          <a:noFill/>
+        </p:spPr>
+        <p:txBody>
+          <a:bodyPr wrap="square">
+            <a:spAutoFit/>
+          </a:bodyPr>
+          <a:lstStyle/>
+          <a:p>
+            <a:pPr algn="ctr"/>
+            <a:r>
+              <a:rPr lang="ko-KR" altLang="en-US" sz="2000" dirty="0">
+                <a:solidFill>
+                  <a:srgbClr val="000000"/>
+                </a:solidFill>
+                <a:latin typeface="나눔고딕" panose="020D0604000000000000" pitchFamily="50" charset="-127"/>
+                <a:ea typeface="나눔고딕" panose="020D0604000000000000" pitchFamily="50" charset="-127"/>
+              </a:rPr>
+              <a:t>제시된 내용을 보며 어떤 어려운 점이나 질문이 떠올랐나요</a:t>
+            </a:r>
+            <a:r>
+              <a:rPr lang="en-US" altLang="ko-KR" sz="2000" dirty="0">
+                <a:solidFill>
+                  <a:srgbClr val="000000"/>
+                </a:solidFill>
+                <a:latin typeface="나눔고딕" panose="020D0604000000000000" pitchFamily="50" charset="-127"/>
+                <a:ea typeface="나눔고딕" panose="020D0604000000000000" pitchFamily="50" charset="-127"/>
+              </a:rPr>
+              <a:t>?</a:t>
+            </a:r>
+            <a:endParaRPr lang="ko-KR" altLang="en-US" sz="2000" dirty="0">
+              <a:latin typeface="나눔고딕" panose="020D0604000000000000" pitchFamily="50" charset="-127"/>
+              <a:ea typeface="나눔고딕" panose="020D0604000000000000" pitchFamily="50" charset="-127"/>
+            </a:endParaRPr>
+          </a:p>
+        </p:txBody>
+      </p:sp>
+    </p:spTree>
+    <p:extLst>
+      <p:ext uri="{BB962C8B-B14F-4D97-AF65-F5344CB8AC3E}">
+        <p14:creationId xmlns:p14="http://schemas.microsoft.com/office/powerpoint/2010/main" val="3060766440"/>
+      </p:ext>
+    </p:extLst>
+  </p:cSld>
+  <p:clrMapOvr>
+    <a:masterClrMapping/>
+  </p:clrMapOvr>
+</p:sld>
+</file>
+
+<file path=ppt/slides/slide4.xml><?xml version="1.0" encoding="utf-8"?>
+<p:sld xmlns:a="http://schemas.openxmlformats.org/drawingml/2006/main" xmlns:r="http://schemas.openxmlformats.org/officeDocument/2006/relationships" xmlns:p="http://schemas.openxmlformats.org/presentationml/2006/main">
+  <p:cSld>
+    <p:spTree>
+      <p:nvGrpSpPr>
+        <p:cNvPr id="1" name="">
+          <a:extLst>
+            <a:ext uri="{FF2B5EF4-FFF2-40B4-BE49-F238E27FC236}">
+              <a16:creationId xmlns:a16="http://schemas.microsoft.com/office/drawing/2014/main" id="{F0C83408-19F5-35E9-891D-512E51A45C18}"/>
+            </a:ext>
+          </a:extLst>
+        </p:cNvPr>
+        <p:cNvGrpSpPr/>
+        <p:nvPr/>
+      </p:nvGrpSpPr>
+      <p:grpSpPr>
+        <a:xfrm>
+          <a:off x="0" y="0"/>
+          <a:ext cx="0" cy="0"/>
+          <a:chOff x="0" y="0"/>
+          <a:chExt cx="0" cy="0"/>
+        </a:xfrm>
+      </p:grpSpPr>
+      <p:sp>
+        <p:nvSpPr>
+          <p:cNvPr id="2" name="TextBox 1">
+            <a:extLst>
+              <a:ext uri="{FF2B5EF4-FFF2-40B4-BE49-F238E27FC236}">
+                <a16:creationId xmlns:a16="http://schemas.microsoft.com/office/drawing/2014/main" id="{B2017C69-8EA8-FC4F-AFE7-A9DFC141FB30}"/>
+              </a:ext>
+            </a:extLst>
+          </p:cNvPr>
+          <p:cNvSpPr txBox="1"/>
+          <p:nvPr/>
+        </p:nvSpPr>
+        <p:spPr>
+          <a:xfrm>
+            <a:off x="1944914" y="182480"/>
+            <a:ext cx="8911772" cy="584775"/>
+          </a:xfrm>
+          <a:prstGeom prst="rect">
+            <a:avLst/>
+          </a:prstGeom>
+          <a:noFill/>
+        </p:spPr>
+        <p:txBody>
+          <a:bodyPr wrap="square">
+            <a:spAutoFit/>
+          </a:bodyPr>
+          <a:lstStyle/>
+          <a:p>
+            <a:pPr algn="ctr"/>
+            <a:r>
+              <a:rPr lang="ko-KR" altLang="en-US" sz="3200" b="1" dirty="0" err="1">
+                <a:solidFill>
+                  <a:srgbClr val="000000"/>
+                </a:solidFill>
+                <a:latin typeface="나눔고딕 ExtraBold" panose="020D0904000000000000" pitchFamily="50" charset="-127"/>
+                <a:ea typeface="나눔고딕 ExtraBold" panose="020D0904000000000000" pitchFamily="50" charset="-127"/>
+              </a:rPr>
+              <a:t>프레이어</a:t>
+            </a:r>
+            <a:r>
+              <a:rPr lang="ko-KR" altLang="en-US" sz="3200" b="1" dirty="0">
+                <a:solidFill>
+                  <a:srgbClr val="000000"/>
+                </a:solidFill>
+                <a:latin typeface="나눔고딕 ExtraBold" panose="020D0904000000000000" pitchFamily="50" charset="-127"/>
+                <a:ea typeface="나눔고딕 ExtraBold" panose="020D0904000000000000" pitchFamily="50" charset="-127"/>
+              </a:rPr>
+              <a:t> 모델</a:t>
+            </a:r>
+            <a:r>
+              <a:rPr lang="en-US" altLang="ko-KR" sz="3200" b="1" dirty="0">
+                <a:solidFill>
+                  <a:srgbClr val="000000"/>
+                </a:solidFill>
+                <a:latin typeface="나눔고딕 ExtraBold" panose="020D0904000000000000" pitchFamily="50" charset="-127"/>
+                <a:ea typeface="나눔고딕 ExtraBold" panose="020D0904000000000000" pitchFamily="50" charset="-127"/>
+              </a:rPr>
+              <a:t>(Frayer Model</a:t>
+            </a:r>
+            <a:r>
+              <a:rPr lang="en-US" altLang="ko-KR" sz="3200" b="1" i="0" dirty="0">
+                <a:solidFill>
+                  <a:srgbClr val="000000"/>
+                </a:solidFill>
+                <a:effectLst/>
+                <a:latin typeface="나눔고딕 ExtraBold" panose="020D0904000000000000" pitchFamily="50" charset="-127"/>
+                <a:ea typeface="나눔고딕 ExtraBold" panose="020D0904000000000000" pitchFamily="50" charset="-127"/>
+              </a:rPr>
+              <a:t>)</a:t>
+            </a:r>
+            <a:endParaRPr lang="ko-KR" altLang="en-US" sz="3200" dirty="0">
+              <a:latin typeface="나눔고딕 ExtraBold" panose="020D0904000000000000" pitchFamily="50" charset="-127"/>
+              <a:ea typeface="나눔고딕 ExtraBold" panose="020D0904000000000000" pitchFamily="50" charset="-127"/>
+            </a:endParaRPr>
+          </a:p>
+        </p:txBody>
+      </p:sp>
+      <p:grpSp>
+        <p:nvGrpSpPr>
+          <p:cNvPr id="27" name="그룹 26">
+            <a:extLst>
+              <a:ext uri="{FF2B5EF4-FFF2-40B4-BE49-F238E27FC236}">
+                <a16:creationId xmlns:a16="http://schemas.microsoft.com/office/drawing/2014/main" id="{982C539B-7429-4A40-DD6A-8E225E4595B0}"/>
+              </a:ext>
+            </a:extLst>
+          </p:cNvPr>
+          <p:cNvGrpSpPr/>
+          <p:nvPr/>
+        </p:nvGrpSpPr>
+        <p:grpSpPr>
+          <a:xfrm>
+            <a:off x="110836" y="928256"/>
+            <a:ext cx="6222428" cy="4176142"/>
+            <a:chOff x="110836" y="928256"/>
+            <a:chExt cx="6222428" cy="4176142"/>
+          </a:xfrm>
+        </p:grpSpPr>
+        <p:sp>
+          <p:nvSpPr>
+            <p:cNvPr id="19" name="직사각형 18">
+              <a:extLst>
+                <a:ext uri="{FF2B5EF4-FFF2-40B4-BE49-F238E27FC236}">
+                  <a16:creationId xmlns:a16="http://schemas.microsoft.com/office/drawing/2014/main" id="{AE6C08BC-438C-C3CD-77AF-0682F29D33C4}"/>
+                </a:ext>
+              </a:extLst>
+            </p:cNvPr>
+            <p:cNvSpPr/>
+            <p:nvPr/>
+          </p:nvSpPr>
+          <p:spPr>
+            <a:xfrm>
+              <a:off x="110836" y="928256"/>
+              <a:ext cx="6222428" cy="4176142"/>
+            </a:xfrm>
+            <a:prstGeom prst="rect">
+              <a:avLst/>
+            </a:prstGeom>
+            <a:noFill/>
+            <a:ln w="28575">
+              <a:solidFill>
+                <a:schemeClr val="tx1"/>
+              </a:solidFill>
+            </a:ln>
+          </p:spPr>
+          <p:style>
+            <a:lnRef idx="2">
+              <a:schemeClr val="accent1">
+                <a:shade val="15000"/>
+              </a:schemeClr>
+            </a:lnRef>
+            <a:fillRef idx="1">
+              <a:schemeClr val="accent1"/>
+            </a:fillRef>
+            <a:effectRef idx="0">
+              <a:schemeClr val="accent1"/>
+            </a:effectRef>
+            <a:fontRef idx="minor">
+              <a:schemeClr val="lt1"/>
+            </a:fontRef>
+          </p:style>
+          <p:txBody>
+            <a:bodyPr rtlCol="0" anchor="ctr"/>
+            <a:lstStyle/>
+            <a:p>
+              <a:pPr algn="ctr"/>
+              <a:endParaRPr lang="ko-KR" altLang="en-US"/>
+            </a:p>
+          </p:txBody>
+        </p:sp>
+        <p:sp>
+          <p:nvSpPr>
+            <p:cNvPr id="23" name="TextBox 22">
+              <a:extLst>
+                <a:ext uri="{FF2B5EF4-FFF2-40B4-BE49-F238E27FC236}">
+                  <a16:creationId xmlns:a16="http://schemas.microsoft.com/office/drawing/2014/main" id="{6472D086-47D0-0751-FB21-4D5E6A454B56}"/>
+                </a:ext>
+              </a:extLst>
+            </p:cNvPr>
+            <p:cNvSpPr txBox="1"/>
+            <p:nvPr/>
+          </p:nvSpPr>
+          <p:spPr>
+            <a:xfrm>
+              <a:off x="110836" y="928256"/>
+              <a:ext cx="6111591" cy="369332"/>
+            </a:xfrm>
+            <a:prstGeom prst="rect">
+              <a:avLst/>
+            </a:prstGeom>
+            <a:noFill/>
+          </p:spPr>
+          <p:txBody>
+            <a:bodyPr wrap="square">
+              <a:spAutoFit/>
+            </a:bodyPr>
+            <a:lstStyle/>
+            <a:p>
+              <a:r>
+                <a:rPr lang="ko-KR" altLang="en-US" b="1" dirty="0">
+                  <a:latin typeface="나눔고딕" panose="020D0604000000000000" pitchFamily="50" charset="-127"/>
+                  <a:ea typeface="나눔고딕" panose="020D0604000000000000" pitchFamily="50" charset="-127"/>
+                </a:rPr>
+                <a:t>정의</a:t>
+              </a:r>
+              <a:endParaRPr lang="ko-KR" altLang="en-US" dirty="0">
+                <a:latin typeface="나눔고딕" panose="020D0604000000000000" pitchFamily="50" charset="-127"/>
+                <a:ea typeface="나눔고딕" panose="020D0604000000000000" pitchFamily="50" charset="-127"/>
+              </a:endParaRPr>
+            </a:p>
+          </p:txBody>
+        </p:sp>
+      </p:grpSp>
+      <p:grpSp>
+        <p:nvGrpSpPr>
+          <p:cNvPr id="30" name="그룹 29">
+            <a:extLst>
+              <a:ext uri="{FF2B5EF4-FFF2-40B4-BE49-F238E27FC236}">
+                <a16:creationId xmlns:a16="http://schemas.microsoft.com/office/drawing/2014/main" id="{FA54DA0E-4D6C-63A4-CA76-9F57F7C426DE}"/>
+              </a:ext>
+            </a:extLst>
+          </p:cNvPr>
+          <p:cNvGrpSpPr/>
+          <p:nvPr/>
+        </p:nvGrpSpPr>
+        <p:grpSpPr>
+          <a:xfrm>
+            <a:off x="6343644" y="928256"/>
+            <a:ext cx="6222428" cy="4176142"/>
+            <a:chOff x="6454481" y="928256"/>
+            <a:chExt cx="6222428" cy="4176142"/>
+          </a:xfrm>
+        </p:grpSpPr>
+        <p:sp>
+          <p:nvSpPr>
+            <p:cNvPr id="20" name="직사각형 19">
+              <a:extLst>
+                <a:ext uri="{FF2B5EF4-FFF2-40B4-BE49-F238E27FC236}">
+                  <a16:creationId xmlns:a16="http://schemas.microsoft.com/office/drawing/2014/main" id="{0255B2BD-26A7-67C3-621A-A8F27C3BA70A}"/>
+                </a:ext>
+              </a:extLst>
+            </p:cNvPr>
+            <p:cNvSpPr/>
+            <p:nvPr/>
+          </p:nvSpPr>
+          <p:spPr>
+            <a:xfrm>
+              <a:off x="6454481" y="928256"/>
+              <a:ext cx="6222428" cy="4176142"/>
+            </a:xfrm>
+            <a:prstGeom prst="rect">
+              <a:avLst/>
+            </a:prstGeom>
+            <a:noFill/>
+            <a:ln w="28575">
+              <a:solidFill>
+                <a:schemeClr val="tx1"/>
+              </a:solidFill>
+            </a:ln>
+          </p:spPr>
+          <p:style>
+            <a:lnRef idx="2">
+              <a:schemeClr val="accent1">
+                <a:shade val="15000"/>
+              </a:schemeClr>
+            </a:lnRef>
+            <a:fillRef idx="1">
+              <a:schemeClr val="accent1"/>
+            </a:fillRef>
+            <a:effectRef idx="0">
+              <a:schemeClr val="accent1"/>
+            </a:effectRef>
+            <a:fontRef idx="minor">
+              <a:schemeClr val="lt1"/>
+            </a:fontRef>
+          </p:style>
+          <p:txBody>
+            <a:bodyPr rtlCol="0" anchor="ctr"/>
+            <a:lstStyle/>
+            <a:p>
+              <a:pPr algn="ctr"/>
+              <a:endParaRPr lang="ko-KR" altLang="en-US"/>
+            </a:p>
+          </p:txBody>
+        </p:sp>
+        <p:sp>
+          <p:nvSpPr>
+            <p:cNvPr id="24" name="TextBox 23">
+              <a:extLst>
+                <a:ext uri="{FF2B5EF4-FFF2-40B4-BE49-F238E27FC236}">
+                  <a16:creationId xmlns:a16="http://schemas.microsoft.com/office/drawing/2014/main" id="{4901A13E-4B6F-3ED4-85EE-765A530A61DC}"/>
+                </a:ext>
+              </a:extLst>
+            </p:cNvPr>
+            <p:cNvSpPr txBox="1"/>
+            <p:nvPr/>
+          </p:nvSpPr>
+          <p:spPr>
+            <a:xfrm>
+              <a:off x="6454481" y="928256"/>
+              <a:ext cx="6111591" cy="369332"/>
+            </a:xfrm>
+            <a:prstGeom prst="rect">
+              <a:avLst/>
+            </a:prstGeom>
+            <a:noFill/>
+          </p:spPr>
+          <p:txBody>
+            <a:bodyPr wrap="square">
+              <a:spAutoFit/>
+            </a:bodyPr>
+            <a:lstStyle/>
+            <a:p>
+              <a:pPr algn="r"/>
+              <a:r>
+                <a:rPr lang="ko-KR" altLang="en-US" b="1" dirty="0">
+                  <a:latin typeface="나눔고딕" panose="020D0604000000000000" pitchFamily="50" charset="-127"/>
+                  <a:ea typeface="나눔고딕" panose="020D0604000000000000" pitchFamily="50" charset="-127"/>
+                </a:rPr>
+                <a:t>특징</a:t>
+              </a:r>
+              <a:endParaRPr lang="ko-KR" altLang="en-US" dirty="0">
+                <a:latin typeface="나눔고딕" panose="020D0604000000000000" pitchFamily="50" charset="-127"/>
+                <a:ea typeface="나눔고딕" panose="020D0604000000000000" pitchFamily="50" charset="-127"/>
+              </a:endParaRPr>
+            </a:p>
+          </p:txBody>
+        </p:sp>
+      </p:grpSp>
+      <p:grpSp>
+        <p:nvGrpSpPr>
+          <p:cNvPr id="28" name="그룹 27">
+            <a:extLst>
+              <a:ext uri="{FF2B5EF4-FFF2-40B4-BE49-F238E27FC236}">
+                <a16:creationId xmlns:a16="http://schemas.microsoft.com/office/drawing/2014/main" id="{55057248-2961-D0B6-EB35-3A23F7480361}"/>
+              </a:ext>
+            </a:extLst>
+          </p:cNvPr>
+          <p:cNvGrpSpPr/>
+          <p:nvPr/>
+        </p:nvGrpSpPr>
+        <p:grpSpPr>
+          <a:xfrm>
+            <a:off x="110836" y="5104398"/>
+            <a:ext cx="6222428" cy="4176142"/>
+            <a:chOff x="110836" y="5242578"/>
+            <a:chExt cx="6222428" cy="4176142"/>
+          </a:xfrm>
+        </p:grpSpPr>
+        <p:sp>
+          <p:nvSpPr>
+            <p:cNvPr id="21" name="직사각형 20">
+              <a:extLst>
+                <a:ext uri="{FF2B5EF4-FFF2-40B4-BE49-F238E27FC236}">
+                  <a16:creationId xmlns:a16="http://schemas.microsoft.com/office/drawing/2014/main" id="{635B6541-4CA4-B29D-ADB0-FE7233FE1A59}"/>
+                </a:ext>
+              </a:extLst>
+            </p:cNvPr>
+            <p:cNvSpPr/>
+            <p:nvPr/>
+          </p:nvSpPr>
+          <p:spPr>
+            <a:xfrm>
+              <a:off x="110836" y="5242578"/>
+              <a:ext cx="6222428" cy="4176142"/>
+            </a:xfrm>
+            <a:prstGeom prst="rect">
+              <a:avLst/>
+            </a:prstGeom>
+            <a:noFill/>
+            <a:ln w="28575">
+              <a:solidFill>
+                <a:schemeClr val="tx1"/>
+              </a:solidFill>
+            </a:ln>
+          </p:spPr>
+          <p:style>
+            <a:lnRef idx="2">
+              <a:schemeClr val="accent1">
+                <a:shade val="15000"/>
+              </a:schemeClr>
+            </a:lnRef>
+            <a:fillRef idx="1">
+              <a:schemeClr val="accent1"/>
+            </a:fillRef>
+            <a:effectRef idx="0">
+              <a:schemeClr val="accent1"/>
+            </a:effectRef>
+            <a:fontRef idx="minor">
+              <a:schemeClr val="lt1"/>
+            </a:fontRef>
+          </p:style>
+          <p:txBody>
+            <a:bodyPr rtlCol="0" anchor="ctr"/>
+            <a:lstStyle/>
+            <a:p>
+              <a:pPr algn="ctr"/>
+              <a:endParaRPr lang="ko-KR" altLang="en-US"/>
+            </a:p>
+          </p:txBody>
+        </p:sp>
+        <p:sp>
+          <p:nvSpPr>
+            <p:cNvPr id="25" name="TextBox 24">
+              <a:extLst>
+                <a:ext uri="{FF2B5EF4-FFF2-40B4-BE49-F238E27FC236}">
+                  <a16:creationId xmlns:a16="http://schemas.microsoft.com/office/drawing/2014/main" id="{72965C69-AFC4-8EEE-3A63-92CCA42933C4}"/>
+                </a:ext>
+              </a:extLst>
+            </p:cNvPr>
+            <p:cNvSpPr txBox="1"/>
+            <p:nvPr/>
+          </p:nvSpPr>
+          <p:spPr>
+            <a:xfrm>
+              <a:off x="110836" y="5242578"/>
+              <a:ext cx="6111591" cy="369332"/>
+            </a:xfrm>
+            <a:prstGeom prst="rect">
+              <a:avLst/>
+            </a:prstGeom>
+            <a:noFill/>
+          </p:spPr>
+          <p:txBody>
+            <a:bodyPr wrap="square">
+              <a:spAutoFit/>
+            </a:bodyPr>
+            <a:lstStyle/>
+            <a:p>
+              <a:r>
+                <a:rPr lang="ko-KR" altLang="en-US" b="1" dirty="0">
+                  <a:latin typeface="나눔고딕" panose="020D0604000000000000" pitchFamily="50" charset="-127"/>
+                  <a:ea typeface="나눔고딕" panose="020D0604000000000000" pitchFamily="50" charset="-127"/>
+                </a:rPr>
+                <a:t>예시</a:t>
+              </a:r>
+              <a:endParaRPr lang="ko-KR" altLang="en-US" dirty="0">
+                <a:latin typeface="나눔고딕" panose="020D0604000000000000" pitchFamily="50" charset="-127"/>
+                <a:ea typeface="나눔고딕" panose="020D0604000000000000" pitchFamily="50" charset="-127"/>
+              </a:endParaRPr>
+            </a:p>
+          </p:txBody>
+        </p:sp>
+      </p:grpSp>
+      <p:grpSp>
+        <p:nvGrpSpPr>
+          <p:cNvPr id="29" name="그룹 28">
+            <a:extLst>
+              <a:ext uri="{FF2B5EF4-FFF2-40B4-BE49-F238E27FC236}">
+                <a16:creationId xmlns:a16="http://schemas.microsoft.com/office/drawing/2014/main" id="{22470251-75C8-18CB-6FDF-69F3E21FA8DC}"/>
+              </a:ext>
+            </a:extLst>
+          </p:cNvPr>
+          <p:cNvGrpSpPr/>
+          <p:nvPr/>
+        </p:nvGrpSpPr>
+        <p:grpSpPr>
+          <a:xfrm>
+            <a:off x="6343644" y="5104398"/>
+            <a:ext cx="6222428" cy="4176142"/>
+            <a:chOff x="6454481" y="5242578"/>
+            <a:chExt cx="6222428" cy="4176142"/>
+          </a:xfrm>
+        </p:grpSpPr>
+        <p:sp>
+          <p:nvSpPr>
+            <p:cNvPr id="22" name="직사각형 21">
+              <a:extLst>
+                <a:ext uri="{FF2B5EF4-FFF2-40B4-BE49-F238E27FC236}">
+                  <a16:creationId xmlns:a16="http://schemas.microsoft.com/office/drawing/2014/main" id="{CA680A73-1F45-055E-C85F-B338FD83FCAC}"/>
+                </a:ext>
+              </a:extLst>
+            </p:cNvPr>
+            <p:cNvSpPr/>
+            <p:nvPr/>
+          </p:nvSpPr>
+          <p:spPr>
+            <a:xfrm>
+              <a:off x="6454481" y="5242578"/>
+              <a:ext cx="6222428" cy="4176142"/>
+            </a:xfrm>
+            <a:prstGeom prst="rect">
+              <a:avLst/>
+            </a:prstGeom>
+            <a:noFill/>
+            <a:ln w="28575">
+              <a:solidFill>
+                <a:schemeClr val="tx1"/>
+              </a:solidFill>
+            </a:ln>
+          </p:spPr>
+          <p:style>
+            <a:lnRef idx="2">
+              <a:schemeClr val="accent1">
+                <a:shade val="15000"/>
+              </a:schemeClr>
+            </a:lnRef>
+            <a:fillRef idx="1">
+              <a:schemeClr val="accent1"/>
+            </a:fillRef>
+            <a:effectRef idx="0">
+              <a:schemeClr val="accent1"/>
+            </a:effectRef>
+            <a:fontRef idx="minor">
+              <a:schemeClr val="lt1"/>
+            </a:fontRef>
+          </p:style>
+          <p:txBody>
+            <a:bodyPr rtlCol="0" anchor="ctr"/>
+            <a:lstStyle/>
+            <a:p>
+              <a:pPr algn="ctr"/>
+              <a:endParaRPr lang="ko-KR" altLang="en-US"/>
+            </a:p>
+          </p:txBody>
+        </p:sp>
+        <p:sp>
+          <p:nvSpPr>
+            <p:cNvPr id="26" name="TextBox 25">
+              <a:extLst>
+                <a:ext uri="{FF2B5EF4-FFF2-40B4-BE49-F238E27FC236}">
+                  <a16:creationId xmlns:a16="http://schemas.microsoft.com/office/drawing/2014/main" id="{1C4578E6-D548-45D0-82AE-78425C128A5E}"/>
+                </a:ext>
+              </a:extLst>
+            </p:cNvPr>
+            <p:cNvSpPr txBox="1"/>
+            <p:nvPr/>
+          </p:nvSpPr>
+          <p:spPr>
+            <a:xfrm>
+              <a:off x="6454481" y="5242578"/>
+              <a:ext cx="6111591" cy="369332"/>
+            </a:xfrm>
+            <a:prstGeom prst="rect">
+              <a:avLst/>
+            </a:prstGeom>
+            <a:noFill/>
+          </p:spPr>
+          <p:txBody>
+            <a:bodyPr wrap="square">
+              <a:spAutoFit/>
+            </a:bodyPr>
+            <a:lstStyle/>
+            <a:p>
+              <a:pPr algn="r"/>
+              <a:r>
+                <a:rPr lang="ko-KR" altLang="en-US" b="1" dirty="0">
+                  <a:latin typeface="나눔고딕" panose="020D0604000000000000" pitchFamily="50" charset="-127"/>
+                  <a:ea typeface="나눔고딕" panose="020D0604000000000000" pitchFamily="50" charset="-127"/>
+                </a:rPr>
+                <a:t>반례</a:t>
+              </a:r>
+              <a:endParaRPr lang="ko-KR" altLang="en-US" dirty="0">
+                <a:latin typeface="나눔고딕" panose="020D0604000000000000" pitchFamily="50" charset="-127"/>
+                <a:ea typeface="나눔고딕" panose="020D0604000000000000" pitchFamily="50" charset="-127"/>
+              </a:endParaRPr>
+            </a:p>
+          </p:txBody>
+        </p:sp>
+      </p:grpSp>
+      <p:sp>
+        <p:nvSpPr>
+          <p:cNvPr id="31" name="타원 30">
+            <a:extLst>
+              <a:ext uri="{FF2B5EF4-FFF2-40B4-BE49-F238E27FC236}">
+                <a16:creationId xmlns:a16="http://schemas.microsoft.com/office/drawing/2014/main" id="{D613D183-1B6E-8DAF-5D9E-EB64B7658159}"/>
+              </a:ext>
+            </a:extLst>
+          </p:cNvPr>
+          <p:cNvSpPr/>
+          <p:nvPr/>
+        </p:nvSpPr>
+        <p:spPr>
+          <a:xfrm>
+            <a:off x="3960662" y="3954470"/>
+            <a:ext cx="4765964" cy="2299855"/>
+          </a:xfrm>
+          <a:prstGeom prst="ellipse">
+            <a:avLst/>
+          </a:prstGeom>
+          <a:solidFill>
+            <a:schemeClr val="bg1"/>
+          </a:solidFill>
+          <a:ln w="28575">
+            <a:solidFill>
+              <a:schemeClr val="tx1"/>
+            </a:solidFill>
+          </a:ln>
+        </p:spPr>
+        <p:style>
+          <a:lnRef idx="2">
+            <a:schemeClr val="accent1">
+              <a:shade val="15000"/>
+            </a:schemeClr>
+          </a:lnRef>
+          <a:fillRef idx="1">
+            <a:schemeClr val="accent1"/>
+          </a:fillRef>
+          <a:effectRef idx="0">
+            <a:schemeClr val="accent1"/>
+          </a:effectRef>
+          <a:fontRef idx="minor">
+            <a:schemeClr val="lt1"/>
+          </a:fontRef>
+        </p:style>
+        <p:txBody>
+          <a:bodyPr rtlCol="0" anchor="ctr"/>
+          <a:lstStyle/>
+          <a:p>
+            <a:pPr algn="ctr"/>
+            <a:endParaRPr lang="ko-KR" altLang="en-US"/>
+          </a:p>
+        </p:txBody>
+      </p:sp>
+    </p:spTree>
+    <p:extLst>
+      <p:ext uri="{BB962C8B-B14F-4D97-AF65-F5344CB8AC3E}">
+        <p14:creationId xmlns:p14="http://schemas.microsoft.com/office/powerpoint/2010/main" val="902632221"/>
       </p:ext>
     </p:extLst>
   </p:cSld>

--- a/사고루틴 템플릿.pptx
+++ b/사고루틴 템플릿.pptx
@@ -9,6 +9,9 @@
     <p:sldId id="257" r:id="rId3"/>
     <p:sldId id="258" r:id="rId4"/>
     <p:sldId id="259" r:id="rId5"/>
+    <p:sldId id="260" r:id="rId6"/>
+    <p:sldId id="261" r:id="rId7"/>
+    <p:sldId id="262" r:id="rId8"/>
   </p:sldIdLst>
   <p:sldSz cx="12801600" cy="9601200" type="A3"/>
   <p:notesSz cx="6858000" cy="9144000"/>
@@ -5404,6 +5407,1975 @@
 </p:sld>
 </file>
 
+<file path=ppt/slides/slide5.xml><?xml version="1.0" encoding="utf-8"?>
+<p:sld xmlns:a="http://schemas.openxmlformats.org/drawingml/2006/main" xmlns:r="http://schemas.openxmlformats.org/officeDocument/2006/relationships" xmlns:p="http://schemas.openxmlformats.org/presentationml/2006/main">
+  <p:cSld>
+    <p:spTree>
+      <p:nvGrpSpPr>
+        <p:cNvPr id="1" name=""/>
+        <p:cNvGrpSpPr/>
+        <p:nvPr/>
+      </p:nvGrpSpPr>
+      <p:grpSpPr>
+        <a:xfrm>
+          <a:off x="0" y="0"/>
+          <a:ext cx="0" cy="0"/>
+          <a:chOff x="0" y="0"/>
+          <a:chExt cx="0" cy="0"/>
+        </a:xfrm>
+      </p:grpSpPr>
+      <p:sp>
+        <p:nvSpPr>
+          <p:cNvPr id="2" name="TextBox 1">
+            <a:extLst>
+              <a:ext uri="{FF2B5EF4-FFF2-40B4-BE49-F238E27FC236}">
+                <a16:creationId xmlns:a16="http://schemas.microsoft.com/office/drawing/2014/main" id="{783BE7D6-46E6-BE5B-B43F-029D4F8D96CA}"/>
+              </a:ext>
+            </a:extLst>
+          </p:cNvPr>
+          <p:cNvSpPr txBox="1"/>
+          <p:nvPr/>
+        </p:nvSpPr>
+        <p:spPr>
+          <a:xfrm>
+            <a:off x="1330036" y="182480"/>
+            <a:ext cx="10141528" cy="584775"/>
+          </a:xfrm>
+          <a:prstGeom prst="rect">
+            <a:avLst/>
+          </a:prstGeom>
+          <a:noFill/>
+        </p:spPr>
+        <p:txBody>
+          <a:bodyPr wrap="square">
+            <a:spAutoFit/>
+          </a:bodyPr>
+          <a:lstStyle/>
+          <a:p>
+            <a:pPr algn="ctr"/>
+            <a:r>
+              <a:rPr lang="ko-KR" altLang="en-US" sz="3200" b="1" dirty="0">
+                <a:solidFill>
+                  <a:srgbClr val="000000"/>
+                </a:solidFill>
+                <a:latin typeface="나눔고딕 ExtraBold" panose="020D0904000000000000" pitchFamily="50" charset="-127"/>
+                <a:ea typeface="나눔고딕 ExtraBold" panose="020D0904000000000000" pitchFamily="50" charset="-127"/>
+              </a:rPr>
+              <a:t>예전 생각</a:t>
+            </a:r>
+            <a:r>
+              <a:rPr lang="en-US" altLang="ko-KR" sz="3200" b="1" dirty="0">
+                <a:solidFill>
+                  <a:srgbClr val="000000"/>
+                </a:solidFill>
+                <a:latin typeface="나눔고딕 ExtraBold" panose="020D0904000000000000" pitchFamily="50" charset="-127"/>
+                <a:ea typeface="나눔고딕 ExtraBold" panose="020D0904000000000000" pitchFamily="50" charset="-127"/>
+              </a:rPr>
+              <a:t>, </a:t>
+            </a:r>
+            <a:r>
+              <a:rPr lang="ko-KR" altLang="en-US" sz="3200" b="1" dirty="0">
+                <a:solidFill>
+                  <a:srgbClr val="000000"/>
+                </a:solidFill>
+                <a:latin typeface="나눔고딕 ExtraBold" panose="020D0904000000000000" pitchFamily="50" charset="-127"/>
+                <a:ea typeface="나눔고딕 ExtraBold" panose="020D0904000000000000" pitchFamily="50" charset="-127"/>
+              </a:rPr>
+              <a:t>지금 생각</a:t>
+            </a:r>
+            <a:r>
+              <a:rPr lang="en-US" altLang="ko-KR" sz="3200" b="1" dirty="0">
+                <a:solidFill>
+                  <a:srgbClr val="000000"/>
+                </a:solidFill>
+                <a:latin typeface="나눔고딕 ExtraBold" panose="020D0904000000000000" pitchFamily="50" charset="-127"/>
+                <a:ea typeface="나눔고딕 ExtraBold" panose="020D0904000000000000" pitchFamily="50" charset="-127"/>
+              </a:rPr>
+              <a:t>(I Used to Think... Now I Think...</a:t>
+            </a:r>
+            <a:r>
+              <a:rPr lang="en-US" altLang="ko-KR" sz="3200" b="1" i="0" dirty="0">
+                <a:solidFill>
+                  <a:srgbClr val="000000"/>
+                </a:solidFill>
+                <a:effectLst/>
+                <a:latin typeface="나눔고딕 ExtraBold" panose="020D0904000000000000" pitchFamily="50" charset="-127"/>
+                <a:ea typeface="나눔고딕 ExtraBold" panose="020D0904000000000000" pitchFamily="50" charset="-127"/>
+              </a:rPr>
+              <a:t>)</a:t>
+            </a:r>
+            <a:endParaRPr lang="ko-KR" altLang="en-US" sz="3200" dirty="0">
+              <a:latin typeface="나눔고딕 ExtraBold" panose="020D0904000000000000" pitchFamily="50" charset="-127"/>
+              <a:ea typeface="나눔고딕 ExtraBold" panose="020D0904000000000000" pitchFamily="50" charset="-127"/>
+            </a:endParaRPr>
+          </a:p>
+        </p:txBody>
+      </p:sp>
+      <p:sp>
+        <p:nvSpPr>
+          <p:cNvPr id="3" name="생각 풍선: 구름 모양 2">
+            <a:extLst>
+              <a:ext uri="{FF2B5EF4-FFF2-40B4-BE49-F238E27FC236}">
+                <a16:creationId xmlns:a16="http://schemas.microsoft.com/office/drawing/2014/main" id="{529141B0-F2D8-E472-A51F-5848E3E1EF1C}"/>
+              </a:ext>
+            </a:extLst>
+          </p:cNvPr>
+          <p:cNvSpPr/>
+          <p:nvPr/>
+        </p:nvSpPr>
+        <p:spPr>
+          <a:xfrm>
+            <a:off x="775854" y="4620212"/>
+            <a:ext cx="5943601" cy="3982213"/>
+          </a:xfrm>
+          <a:prstGeom prst="cloudCallout">
+            <a:avLst>
+              <a:gd name="adj1" fmla="val -56774"/>
+              <a:gd name="adj2" fmla="val 62816"/>
+            </a:avLst>
+          </a:prstGeom>
+          <a:noFill/>
+          <a:ln w="38100">
+            <a:solidFill>
+              <a:schemeClr val="tx1"/>
+            </a:solidFill>
+          </a:ln>
+        </p:spPr>
+        <p:style>
+          <a:lnRef idx="2">
+            <a:schemeClr val="accent1">
+              <a:shade val="15000"/>
+            </a:schemeClr>
+          </a:lnRef>
+          <a:fillRef idx="1">
+            <a:schemeClr val="accent1"/>
+          </a:fillRef>
+          <a:effectRef idx="0">
+            <a:schemeClr val="accent1"/>
+          </a:effectRef>
+          <a:fontRef idx="minor">
+            <a:schemeClr val="lt1"/>
+          </a:fontRef>
+        </p:style>
+        <p:txBody>
+          <a:bodyPr rtlCol="0" anchor="ctr"/>
+          <a:lstStyle/>
+          <a:p>
+            <a:pPr algn="ctr"/>
+            <a:endParaRPr lang="ko-KR" altLang="en-US"/>
+          </a:p>
+        </p:txBody>
+      </p:sp>
+      <p:sp>
+        <p:nvSpPr>
+          <p:cNvPr id="4" name="생각 풍선: 구름 모양 3">
+            <a:extLst>
+              <a:ext uri="{FF2B5EF4-FFF2-40B4-BE49-F238E27FC236}">
+                <a16:creationId xmlns:a16="http://schemas.microsoft.com/office/drawing/2014/main" id="{6521A0BC-66E4-C128-FAB6-5DEBB1F63816}"/>
+              </a:ext>
+            </a:extLst>
+          </p:cNvPr>
+          <p:cNvSpPr/>
+          <p:nvPr/>
+        </p:nvSpPr>
+        <p:spPr>
+          <a:xfrm rot="10800000">
+            <a:off x="6082145" y="1648258"/>
+            <a:ext cx="5943601" cy="3982213"/>
+          </a:xfrm>
+          <a:prstGeom prst="cloudCallout">
+            <a:avLst>
+              <a:gd name="adj1" fmla="val -56774"/>
+              <a:gd name="adj2" fmla="val 62816"/>
+            </a:avLst>
+          </a:prstGeom>
+          <a:noFill/>
+          <a:ln w="38100">
+            <a:solidFill>
+              <a:schemeClr val="tx1"/>
+            </a:solidFill>
+          </a:ln>
+        </p:spPr>
+        <p:style>
+          <a:lnRef idx="2">
+            <a:schemeClr val="accent1">
+              <a:shade val="15000"/>
+            </a:schemeClr>
+          </a:lnRef>
+          <a:fillRef idx="1">
+            <a:schemeClr val="accent1"/>
+          </a:fillRef>
+          <a:effectRef idx="0">
+            <a:schemeClr val="accent1"/>
+          </a:effectRef>
+          <a:fontRef idx="minor">
+            <a:schemeClr val="lt1"/>
+          </a:fontRef>
+        </p:style>
+        <p:txBody>
+          <a:bodyPr rtlCol="0" anchor="ctr"/>
+          <a:lstStyle/>
+          <a:p>
+            <a:pPr algn="ctr"/>
+            <a:endParaRPr lang="ko-KR" altLang="en-US"/>
+          </a:p>
+        </p:txBody>
+      </p:sp>
+      <p:sp>
+        <p:nvSpPr>
+          <p:cNvPr id="5" name="TextBox 4">
+            <a:extLst>
+              <a:ext uri="{FF2B5EF4-FFF2-40B4-BE49-F238E27FC236}">
+                <a16:creationId xmlns:a16="http://schemas.microsoft.com/office/drawing/2014/main" id="{64128E8A-41EF-8032-E4F3-E9998DAAD2FE}"/>
+              </a:ext>
+            </a:extLst>
+          </p:cNvPr>
+          <p:cNvSpPr txBox="1"/>
+          <p:nvPr/>
+        </p:nvSpPr>
+        <p:spPr>
+          <a:xfrm>
+            <a:off x="928254" y="8917956"/>
+            <a:ext cx="5638800" cy="584775"/>
+          </a:xfrm>
+          <a:prstGeom prst="rect">
+            <a:avLst/>
+          </a:prstGeom>
+          <a:noFill/>
+        </p:spPr>
+        <p:txBody>
+          <a:bodyPr wrap="square">
+            <a:spAutoFit/>
+          </a:bodyPr>
+          <a:lstStyle/>
+          <a:p>
+            <a:pPr algn="ctr"/>
+            <a:r>
+              <a:rPr lang="ko-KR" altLang="en-US" sz="3200" b="1" dirty="0">
+                <a:solidFill>
+                  <a:srgbClr val="000000"/>
+                </a:solidFill>
+                <a:latin typeface="나눔고딕 ExtraBold" panose="020D0904000000000000" pitchFamily="50" charset="-127"/>
+                <a:ea typeface="나눔고딕 ExtraBold" panose="020D0904000000000000" pitchFamily="50" charset="-127"/>
+              </a:rPr>
+              <a:t>나는 예전에 </a:t>
+            </a:r>
+            <a:r>
+              <a:rPr lang="en-US" altLang="ko-KR" sz="3200" b="1" dirty="0">
+                <a:solidFill>
+                  <a:srgbClr val="000000"/>
+                </a:solidFill>
+                <a:latin typeface="나눔고딕 ExtraBold" panose="020D0904000000000000" pitchFamily="50" charset="-127"/>
+                <a:ea typeface="나눔고딕 ExtraBold" panose="020D0904000000000000" pitchFamily="50" charset="-127"/>
+              </a:rPr>
+              <a:t>~</a:t>
+            </a:r>
+            <a:r>
+              <a:rPr lang="ko-KR" altLang="en-US" sz="3200" b="1" dirty="0">
+                <a:solidFill>
+                  <a:srgbClr val="000000"/>
+                </a:solidFill>
+                <a:latin typeface="나눔고딕 ExtraBold" panose="020D0904000000000000" pitchFamily="50" charset="-127"/>
+                <a:ea typeface="나눔고딕 ExtraBold" panose="020D0904000000000000" pitchFamily="50" charset="-127"/>
+              </a:rPr>
+              <a:t>라고 생각했었다</a:t>
+            </a:r>
+            <a:r>
+              <a:rPr lang="en-US" altLang="ko-KR" sz="3200" b="1" dirty="0">
+                <a:solidFill>
+                  <a:srgbClr val="000000"/>
+                </a:solidFill>
+                <a:latin typeface="나눔고딕 ExtraBold" panose="020D0904000000000000" pitchFamily="50" charset="-127"/>
+                <a:ea typeface="나눔고딕 ExtraBold" panose="020D0904000000000000" pitchFamily="50" charset="-127"/>
+              </a:rPr>
+              <a:t>.</a:t>
+            </a:r>
+            <a:endParaRPr lang="ko-KR" altLang="en-US" sz="3200" dirty="0">
+              <a:latin typeface="나눔고딕 ExtraBold" panose="020D0904000000000000" pitchFamily="50" charset="-127"/>
+              <a:ea typeface="나눔고딕 ExtraBold" panose="020D0904000000000000" pitchFamily="50" charset="-127"/>
+            </a:endParaRPr>
+          </a:p>
+        </p:txBody>
+      </p:sp>
+      <p:sp>
+        <p:nvSpPr>
+          <p:cNvPr id="6" name="TextBox 5">
+            <a:extLst>
+              <a:ext uri="{FF2B5EF4-FFF2-40B4-BE49-F238E27FC236}">
+                <a16:creationId xmlns:a16="http://schemas.microsoft.com/office/drawing/2014/main" id="{6F39335C-44D3-1045-A6E1-9356685A91E8}"/>
+              </a:ext>
+            </a:extLst>
+          </p:cNvPr>
+          <p:cNvSpPr txBox="1"/>
+          <p:nvPr/>
+        </p:nvSpPr>
+        <p:spPr>
+          <a:xfrm>
+            <a:off x="6234545" y="998775"/>
+            <a:ext cx="5638800" cy="584775"/>
+          </a:xfrm>
+          <a:prstGeom prst="rect">
+            <a:avLst/>
+          </a:prstGeom>
+          <a:noFill/>
+        </p:spPr>
+        <p:txBody>
+          <a:bodyPr wrap="square">
+            <a:spAutoFit/>
+          </a:bodyPr>
+          <a:lstStyle/>
+          <a:p>
+            <a:pPr algn="ctr"/>
+            <a:r>
+              <a:rPr lang="ko-KR" altLang="en-US" sz="3200" b="1" dirty="0">
+                <a:solidFill>
+                  <a:srgbClr val="000000"/>
+                </a:solidFill>
+                <a:latin typeface="나눔고딕 ExtraBold" panose="020D0904000000000000" pitchFamily="50" charset="-127"/>
+                <a:ea typeface="나눔고딕 ExtraBold" panose="020D0904000000000000" pitchFamily="50" charset="-127"/>
+              </a:rPr>
+              <a:t>나는 지금은 </a:t>
+            </a:r>
+            <a:r>
+              <a:rPr lang="en-US" altLang="ko-KR" sz="3200" b="1" dirty="0">
+                <a:solidFill>
+                  <a:srgbClr val="000000"/>
+                </a:solidFill>
+                <a:latin typeface="나눔고딕 ExtraBold" panose="020D0904000000000000" pitchFamily="50" charset="-127"/>
+                <a:ea typeface="나눔고딕 ExtraBold" panose="020D0904000000000000" pitchFamily="50" charset="-127"/>
+              </a:rPr>
+              <a:t>~</a:t>
+            </a:r>
+            <a:r>
+              <a:rPr lang="ko-KR" altLang="en-US" sz="3200" b="1" dirty="0">
+                <a:solidFill>
+                  <a:srgbClr val="000000"/>
+                </a:solidFill>
+                <a:latin typeface="나눔고딕 ExtraBold" panose="020D0904000000000000" pitchFamily="50" charset="-127"/>
+                <a:ea typeface="나눔고딕 ExtraBold" panose="020D0904000000000000" pitchFamily="50" charset="-127"/>
+              </a:rPr>
+              <a:t>라고 생각한다</a:t>
+            </a:r>
+            <a:r>
+              <a:rPr lang="en-US" altLang="ko-KR" sz="3200" b="1" dirty="0">
+                <a:solidFill>
+                  <a:srgbClr val="000000"/>
+                </a:solidFill>
+                <a:latin typeface="나눔고딕 ExtraBold" panose="020D0904000000000000" pitchFamily="50" charset="-127"/>
+                <a:ea typeface="나눔고딕 ExtraBold" panose="020D0904000000000000" pitchFamily="50" charset="-127"/>
+              </a:rPr>
+              <a:t>.</a:t>
+            </a:r>
+            <a:endParaRPr lang="ko-KR" altLang="en-US" sz="3200" dirty="0">
+              <a:latin typeface="나눔고딕 ExtraBold" panose="020D0904000000000000" pitchFamily="50" charset="-127"/>
+              <a:ea typeface="나눔고딕 ExtraBold" panose="020D0904000000000000" pitchFamily="50" charset="-127"/>
+            </a:endParaRPr>
+          </a:p>
+        </p:txBody>
+      </p:sp>
+    </p:spTree>
+    <p:extLst>
+      <p:ext uri="{BB962C8B-B14F-4D97-AF65-F5344CB8AC3E}">
+        <p14:creationId xmlns:p14="http://schemas.microsoft.com/office/powerpoint/2010/main" val="4059790347"/>
+      </p:ext>
+    </p:extLst>
+  </p:cSld>
+  <p:clrMapOvr>
+    <a:masterClrMapping/>
+  </p:clrMapOvr>
+</p:sld>
+</file>
+
+<file path=ppt/slides/slide6.xml><?xml version="1.0" encoding="utf-8"?>
+<p:sld xmlns:a="http://schemas.openxmlformats.org/drawingml/2006/main" xmlns:r="http://schemas.openxmlformats.org/officeDocument/2006/relationships" xmlns:p="http://schemas.openxmlformats.org/presentationml/2006/main">
+  <p:cSld>
+    <p:spTree>
+      <p:nvGrpSpPr>
+        <p:cNvPr id="1" name="">
+          <a:extLst>
+            <a:ext uri="{FF2B5EF4-FFF2-40B4-BE49-F238E27FC236}">
+              <a16:creationId xmlns:a16="http://schemas.microsoft.com/office/drawing/2014/main" id="{01131B43-B643-6D80-C19C-F7813A30ABFA}"/>
+            </a:ext>
+          </a:extLst>
+        </p:cNvPr>
+        <p:cNvGrpSpPr/>
+        <p:nvPr/>
+      </p:nvGrpSpPr>
+      <p:grpSpPr>
+        <a:xfrm>
+          <a:off x="0" y="0"/>
+          <a:ext cx="0" cy="0"/>
+          <a:chOff x="0" y="0"/>
+          <a:chExt cx="0" cy="0"/>
+        </a:xfrm>
+      </p:grpSpPr>
+      <p:sp>
+        <p:nvSpPr>
+          <p:cNvPr id="2" name="TextBox 1">
+            <a:extLst>
+              <a:ext uri="{FF2B5EF4-FFF2-40B4-BE49-F238E27FC236}">
+                <a16:creationId xmlns:a16="http://schemas.microsoft.com/office/drawing/2014/main" id="{EE3D1BE4-1FAB-A051-DE6D-D8559E16D38F}"/>
+              </a:ext>
+            </a:extLst>
+          </p:cNvPr>
+          <p:cNvSpPr txBox="1"/>
+          <p:nvPr/>
+        </p:nvSpPr>
+        <p:spPr>
+          <a:xfrm>
+            <a:off x="820163" y="182480"/>
+            <a:ext cx="11161274" cy="584775"/>
+          </a:xfrm>
+          <a:prstGeom prst="rect">
+            <a:avLst/>
+          </a:prstGeom>
+          <a:noFill/>
+        </p:spPr>
+        <p:txBody>
+          <a:bodyPr wrap="square">
+            <a:spAutoFit/>
+          </a:bodyPr>
+          <a:lstStyle/>
+          <a:p>
+            <a:pPr algn="ctr"/>
+            <a:r>
+              <a:rPr lang="ko-KR" altLang="en-US" sz="3200" b="1" dirty="0">
+                <a:solidFill>
+                  <a:srgbClr val="000000"/>
+                </a:solidFill>
+                <a:latin typeface="나눔고딕 ExtraBold" panose="020D0904000000000000" pitchFamily="50" charset="-127"/>
+                <a:ea typeface="나눔고딕 ExtraBold" panose="020D0904000000000000" pitchFamily="50" charset="-127"/>
+              </a:rPr>
+              <a:t>보기</a:t>
+            </a:r>
+            <a:r>
+              <a:rPr lang="en-US" altLang="ko-KR" sz="3200" b="1" dirty="0">
+                <a:solidFill>
+                  <a:srgbClr val="000000"/>
+                </a:solidFill>
+                <a:latin typeface="나눔고딕 ExtraBold" panose="020D0904000000000000" pitchFamily="50" charset="-127"/>
+                <a:ea typeface="나눔고딕 ExtraBold" panose="020D0904000000000000" pitchFamily="50" charset="-127"/>
+              </a:rPr>
+              <a:t>, </a:t>
+            </a:r>
+            <a:r>
+              <a:rPr lang="ko-KR" altLang="en-US" sz="3200" b="1" dirty="0">
+                <a:solidFill>
+                  <a:srgbClr val="000000"/>
+                </a:solidFill>
+                <a:latin typeface="나눔고딕 ExtraBold" panose="020D0904000000000000" pitchFamily="50" charset="-127"/>
+                <a:ea typeface="나눔고딕 ExtraBold" panose="020D0904000000000000" pitchFamily="50" charset="-127"/>
+              </a:rPr>
+              <a:t>생각하기</a:t>
+            </a:r>
+            <a:r>
+              <a:rPr lang="en-US" altLang="ko-KR" sz="3200" b="1" dirty="0">
+                <a:solidFill>
+                  <a:srgbClr val="000000"/>
+                </a:solidFill>
+                <a:latin typeface="나눔고딕 ExtraBold" panose="020D0904000000000000" pitchFamily="50" charset="-127"/>
+                <a:ea typeface="나눔고딕 ExtraBold" panose="020D0904000000000000" pitchFamily="50" charset="-127"/>
+              </a:rPr>
+              <a:t>, </a:t>
+            </a:r>
+            <a:r>
+              <a:rPr lang="ko-KR" altLang="en-US" sz="3200" b="1" dirty="0">
+                <a:solidFill>
+                  <a:srgbClr val="000000"/>
+                </a:solidFill>
+                <a:latin typeface="나눔고딕 ExtraBold" panose="020D0904000000000000" pitchFamily="50" charset="-127"/>
+                <a:ea typeface="나눔고딕 ExtraBold" panose="020D0904000000000000" pitchFamily="50" charset="-127"/>
+              </a:rPr>
+              <a:t>질문하기</a:t>
+            </a:r>
+            <a:r>
+              <a:rPr lang="en-US" altLang="ko-KR" sz="3200" b="1" dirty="0">
+                <a:solidFill>
+                  <a:srgbClr val="000000"/>
+                </a:solidFill>
+                <a:latin typeface="나눔고딕 ExtraBold" panose="020D0904000000000000" pitchFamily="50" charset="-127"/>
+                <a:ea typeface="나눔고딕 ExtraBold" panose="020D0904000000000000" pitchFamily="50" charset="-127"/>
+              </a:rPr>
+              <a:t>(See</a:t>
+            </a:r>
+            <a:r>
+              <a:rPr lang="en-US" altLang="ko-KR" sz="3200" b="1" i="0" dirty="0">
+                <a:solidFill>
+                  <a:srgbClr val="000000"/>
+                </a:solidFill>
+                <a:effectLst/>
+                <a:latin typeface="나눔고딕 ExtraBold" panose="020D0904000000000000" pitchFamily="50" charset="-127"/>
+                <a:ea typeface="나눔고딕 ExtraBold" panose="020D0904000000000000" pitchFamily="50" charset="-127"/>
+              </a:rPr>
+              <a:t>, Think, Wonder)</a:t>
+            </a:r>
+            <a:endParaRPr lang="ko-KR" altLang="en-US" sz="3200" dirty="0">
+              <a:latin typeface="나눔고딕 ExtraBold" panose="020D0904000000000000" pitchFamily="50" charset="-127"/>
+              <a:ea typeface="나눔고딕 ExtraBold" panose="020D0904000000000000" pitchFamily="50" charset="-127"/>
+            </a:endParaRPr>
+          </a:p>
+        </p:txBody>
+      </p:sp>
+      <p:grpSp>
+        <p:nvGrpSpPr>
+          <p:cNvPr id="6" name="그룹 5">
+            <a:extLst>
+              <a:ext uri="{FF2B5EF4-FFF2-40B4-BE49-F238E27FC236}">
+                <a16:creationId xmlns:a16="http://schemas.microsoft.com/office/drawing/2014/main" id="{BC00C493-2115-8301-D1DF-831B26FECB0F}"/>
+              </a:ext>
+            </a:extLst>
+          </p:cNvPr>
+          <p:cNvGrpSpPr/>
+          <p:nvPr/>
+        </p:nvGrpSpPr>
+        <p:grpSpPr>
+          <a:xfrm>
+            <a:off x="113475" y="928256"/>
+            <a:ext cx="12574650" cy="1263401"/>
+            <a:chOff x="110836" y="928256"/>
+            <a:chExt cx="13227792" cy="4176142"/>
+          </a:xfrm>
+        </p:grpSpPr>
+        <p:sp>
+          <p:nvSpPr>
+            <p:cNvPr id="3" name="직사각형 2">
+              <a:extLst>
+                <a:ext uri="{FF2B5EF4-FFF2-40B4-BE49-F238E27FC236}">
+                  <a16:creationId xmlns:a16="http://schemas.microsoft.com/office/drawing/2014/main" id="{EF683A21-E1B9-2962-CA47-D3377828EF34}"/>
+                </a:ext>
+              </a:extLst>
+            </p:cNvPr>
+            <p:cNvSpPr/>
+            <p:nvPr/>
+          </p:nvSpPr>
+          <p:spPr>
+            <a:xfrm>
+              <a:off x="110836" y="928256"/>
+              <a:ext cx="4257964" cy="4176142"/>
+            </a:xfrm>
+            <a:prstGeom prst="rect">
+              <a:avLst/>
+            </a:prstGeom>
+            <a:noFill/>
+            <a:ln w="28575">
+              <a:solidFill>
+                <a:schemeClr val="tx1"/>
+              </a:solidFill>
+            </a:ln>
+          </p:spPr>
+          <p:style>
+            <a:lnRef idx="2">
+              <a:schemeClr val="accent1">
+                <a:shade val="15000"/>
+              </a:schemeClr>
+            </a:lnRef>
+            <a:fillRef idx="1">
+              <a:schemeClr val="accent1"/>
+            </a:fillRef>
+            <a:effectRef idx="0">
+              <a:schemeClr val="accent1"/>
+            </a:effectRef>
+            <a:fontRef idx="minor">
+              <a:schemeClr val="lt1"/>
+            </a:fontRef>
+          </p:style>
+          <p:txBody>
+            <a:bodyPr rtlCol="0" anchor="ctr"/>
+            <a:lstStyle/>
+            <a:p>
+              <a:pPr algn="ctr"/>
+              <a:endParaRPr lang="ko-KR" altLang="en-US"/>
+            </a:p>
+          </p:txBody>
+        </p:sp>
+        <p:sp>
+          <p:nvSpPr>
+            <p:cNvPr id="4" name="직사각형 3">
+              <a:extLst>
+                <a:ext uri="{FF2B5EF4-FFF2-40B4-BE49-F238E27FC236}">
+                  <a16:creationId xmlns:a16="http://schemas.microsoft.com/office/drawing/2014/main" id="{84690550-FE33-0669-BF15-B74C541533B1}"/>
+                </a:ext>
+              </a:extLst>
+            </p:cNvPr>
+            <p:cNvSpPr/>
+            <p:nvPr/>
+          </p:nvSpPr>
+          <p:spPr>
+            <a:xfrm>
+              <a:off x="4595750" y="928256"/>
+              <a:ext cx="4257964" cy="4176142"/>
+            </a:xfrm>
+            <a:prstGeom prst="rect">
+              <a:avLst/>
+            </a:prstGeom>
+            <a:noFill/>
+            <a:ln w="28575">
+              <a:solidFill>
+                <a:schemeClr val="tx1"/>
+              </a:solidFill>
+            </a:ln>
+          </p:spPr>
+          <p:style>
+            <a:lnRef idx="2">
+              <a:schemeClr val="accent1">
+                <a:shade val="15000"/>
+              </a:schemeClr>
+            </a:lnRef>
+            <a:fillRef idx="1">
+              <a:schemeClr val="accent1"/>
+            </a:fillRef>
+            <a:effectRef idx="0">
+              <a:schemeClr val="accent1"/>
+            </a:effectRef>
+            <a:fontRef idx="minor">
+              <a:schemeClr val="lt1"/>
+            </a:fontRef>
+          </p:style>
+          <p:txBody>
+            <a:bodyPr rtlCol="0" anchor="ctr"/>
+            <a:lstStyle/>
+            <a:p>
+              <a:pPr algn="ctr"/>
+              <a:endParaRPr lang="ko-KR" altLang="en-US"/>
+            </a:p>
+          </p:txBody>
+        </p:sp>
+        <p:sp>
+          <p:nvSpPr>
+            <p:cNvPr id="5" name="직사각형 4">
+              <a:extLst>
+                <a:ext uri="{FF2B5EF4-FFF2-40B4-BE49-F238E27FC236}">
+                  <a16:creationId xmlns:a16="http://schemas.microsoft.com/office/drawing/2014/main" id="{05172C9B-53A5-5591-EA5B-032E8F1C96DA}"/>
+                </a:ext>
+              </a:extLst>
+            </p:cNvPr>
+            <p:cNvSpPr/>
+            <p:nvPr/>
+          </p:nvSpPr>
+          <p:spPr>
+            <a:xfrm>
+              <a:off x="9080664" y="928256"/>
+              <a:ext cx="4257964" cy="4176142"/>
+            </a:xfrm>
+            <a:prstGeom prst="rect">
+              <a:avLst/>
+            </a:prstGeom>
+            <a:noFill/>
+            <a:ln w="28575">
+              <a:solidFill>
+                <a:schemeClr val="tx1"/>
+              </a:solidFill>
+            </a:ln>
+          </p:spPr>
+          <p:style>
+            <a:lnRef idx="2">
+              <a:schemeClr val="accent1">
+                <a:shade val="15000"/>
+              </a:schemeClr>
+            </a:lnRef>
+            <a:fillRef idx="1">
+              <a:schemeClr val="accent1"/>
+            </a:fillRef>
+            <a:effectRef idx="0">
+              <a:schemeClr val="accent1"/>
+            </a:effectRef>
+            <a:fontRef idx="minor">
+              <a:schemeClr val="lt1"/>
+            </a:fontRef>
+          </p:style>
+          <p:txBody>
+            <a:bodyPr rtlCol="0" anchor="ctr"/>
+            <a:lstStyle/>
+            <a:p>
+              <a:pPr algn="ctr"/>
+              <a:endParaRPr lang="ko-KR" altLang="en-US"/>
+            </a:p>
+          </p:txBody>
+        </p:sp>
+      </p:grpSp>
+      <p:grpSp>
+        <p:nvGrpSpPr>
+          <p:cNvPr id="7" name="그룹 6">
+            <a:extLst>
+              <a:ext uri="{FF2B5EF4-FFF2-40B4-BE49-F238E27FC236}">
+                <a16:creationId xmlns:a16="http://schemas.microsoft.com/office/drawing/2014/main" id="{4740E3EE-7CBE-CBD6-81AA-6BAB7D775523}"/>
+              </a:ext>
+            </a:extLst>
+          </p:cNvPr>
+          <p:cNvGrpSpPr/>
+          <p:nvPr/>
+        </p:nvGrpSpPr>
+        <p:grpSpPr>
+          <a:xfrm>
+            <a:off x="113475" y="2190998"/>
+            <a:ext cx="12574650" cy="7227722"/>
+            <a:chOff x="110836" y="928256"/>
+            <a:chExt cx="13227792" cy="4176142"/>
+          </a:xfrm>
+        </p:grpSpPr>
+        <p:sp>
+          <p:nvSpPr>
+            <p:cNvPr id="8" name="직사각형 7">
+              <a:extLst>
+                <a:ext uri="{FF2B5EF4-FFF2-40B4-BE49-F238E27FC236}">
+                  <a16:creationId xmlns:a16="http://schemas.microsoft.com/office/drawing/2014/main" id="{5CC84329-BC82-729D-C089-1C9BD320FB08}"/>
+                </a:ext>
+              </a:extLst>
+            </p:cNvPr>
+            <p:cNvSpPr/>
+            <p:nvPr/>
+          </p:nvSpPr>
+          <p:spPr>
+            <a:xfrm>
+              <a:off x="110836" y="928256"/>
+              <a:ext cx="4257964" cy="4176142"/>
+            </a:xfrm>
+            <a:prstGeom prst="rect">
+              <a:avLst/>
+            </a:prstGeom>
+            <a:noFill/>
+            <a:ln w="28575">
+              <a:solidFill>
+                <a:schemeClr val="tx1"/>
+              </a:solidFill>
+            </a:ln>
+          </p:spPr>
+          <p:style>
+            <a:lnRef idx="2">
+              <a:schemeClr val="accent1">
+                <a:shade val="15000"/>
+              </a:schemeClr>
+            </a:lnRef>
+            <a:fillRef idx="1">
+              <a:schemeClr val="accent1"/>
+            </a:fillRef>
+            <a:effectRef idx="0">
+              <a:schemeClr val="accent1"/>
+            </a:effectRef>
+            <a:fontRef idx="minor">
+              <a:schemeClr val="lt1"/>
+            </a:fontRef>
+          </p:style>
+          <p:txBody>
+            <a:bodyPr rtlCol="0" anchor="ctr"/>
+            <a:lstStyle/>
+            <a:p>
+              <a:pPr algn="ctr"/>
+              <a:endParaRPr lang="ko-KR" altLang="en-US"/>
+            </a:p>
+          </p:txBody>
+        </p:sp>
+        <p:sp>
+          <p:nvSpPr>
+            <p:cNvPr id="9" name="직사각형 8">
+              <a:extLst>
+                <a:ext uri="{FF2B5EF4-FFF2-40B4-BE49-F238E27FC236}">
+                  <a16:creationId xmlns:a16="http://schemas.microsoft.com/office/drawing/2014/main" id="{677AB504-2519-DC44-8300-A51481EF2300}"/>
+                </a:ext>
+              </a:extLst>
+            </p:cNvPr>
+            <p:cNvSpPr/>
+            <p:nvPr/>
+          </p:nvSpPr>
+          <p:spPr>
+            <a:xfrm>
+              <a:off x="4595750" y="928256"/>
+              <a:ext cx="4257964" cy="4176142"/>
+            </a:xfrm>
+            <a:prstGeom prst="rect">
+              <a:avLst/>
+            </a:prstGeom>
+            <a:noFill/>
+            <a:ln w="28575">
+              <a:solidFill>
+                <a:schemeClr val="tx1"/>
+              </a:solidFill>
+            </a:ln>
+          </p:spPr>
+          <p:style>
+            <a:lnRef idx="2">
+              <a:schemeClr val="accent1">
+                <a:shade val="15000"/>
+              </a:schemeClr>
+            </a:lnRef>
+            <a:fillRef idx="1">
+              <a:schemeClr val="accent1"/>
+            </a:fillRef>
+            <a:effectRef idx="0">
+              <a:schemeClr val="accent1"/>
+            </a:effectRef>
+            <a:fontRef idx="minor">
+              <a:schemeClr val="lt1"/>
+            </a:fontRef>
+          </p:style>
+          <p:txBody>
+            <a:bodyPr rtlCol="0" anchor="ctr"/>
+            <a:lstStyle/>
+            <a:p>
+              <a:pPr algn="ctr"/>
+              <a:endParaRPr lang="ko-KR" altLang="en-US"/>
+            </a:p>
+          </p:txBody>
+        </p:sp>
+        <p:sp>
+          <p:nvSpPr>
+            <p:cNvPr id="10" name="직사각형 9">
+              <a:extLst>
+                <a:ext uri="{FF2B5EF4-FFF2-40B4-BE49-F238E27FC236}">
+                  <a16:creationId xmlns:a16="http://schemas.microsoft.com/office/drawing/2014/main" id="{1B2900E4-C33D-7F0B-4FFE-5C3B04540FD9}"/>
+                </a:ext>
+              </a:extLst>
+            </p:cNvPr>
+            <p:cNvSpPr/>
+            <p:nvPr/>
+          </p:nvSpPr>
+          <p:spPr>
+            <a:xfrm>
+              <a:off x="9080664" y="928256"/>
+              <a:ext cx="4257964" cy="4176142"/>
+            </a:xfrm>
+            <a:prstGeom prst="rect">
+              <a:avLst/>
+            </a:prstGeom>
+            <a:noFill/>
+            <a:ln w="28575">
+              <a:solidFill>
+                <a:schemeClr val="tx1"/>
+              </a:solidFill>
+            </a:ln>
+          </p:spPr>
+          <p:style>
+            <a:lnRef idx="2">
+              <a:schemeClr val="accent1">
+                <a:shade val="15000"/>
+              </a:schemeClr>
+            </a:lnRef>
+            <a:fillRef idx="1">
+              <a:schemeClr val="accent1"/>
+            </a:fillRef>
+            <a:effectRef idx="0">
+              <a:schemeClr val="accent1"/>
+            </a:effectRef>
+            <a:fontRef idx="minor">
+              <a:schemeClr val="lt1"/>
+            </a:fontRef>
+          </p:style>
+          <p:txBody>
+            <a:bodyPr rtlCol="0" anchor="ctr"/>
+            <a:lstStyle/>
+            <a:p>
+              <a:pPr algn="ctr"/>
+              <a:endParaRPr lang="ko-KR" altLang="en-US"/>
+            </a:p>
+          </p:txBody>
+        </p:sp>
+      </p:grpSp>
+      <p:sp>
+        <p:nvSpPr>
+          <p:cNvPr id="12" name="TextBox 11">
+            <a:extLst>
+              <a:ext uri="{FF2B5EF4-FFF2-40B4-BE49-F238E27FC236}">
+                <a16:creationId xmlns:a16="http://schemas.microsoft.com/office/drawing/2014/main" id="{58A3F15B-C21D-2929-D8A4-14B0B23EC1EA}"/>
+              </a:ext>
+            </a:extLst>
+          </p:cNvPr>
+          <p:cNvSpPr txBox="1"/>
+          <p:nvPr/>
+        </p:nvSpPr>
+        <p:spPr>
+          <a:xfrm>
+            <a:off x="820163" y="928256"/>
+            <a:ext cx="2634343" cy="584775"/>
+          </a:xfrm>
+          <a:prstGeom prst="rect">
+            <a:avLst/>
+          </a:prstGeom>
+          <a:noFill/>
+        </p:spPr>
+        <p:txBody>
+          <a:bodyPr wrap="square">
+            <a:spAutoFit/>
+          </a:bodyPr>
+          <a:lstStyle/>
+          <a:p>
+            <a:pPr algn="ctr"/>
+            <a:r>
+              <a:rPr lang="ko-KR" altLang="en-US" sz="3200" b="1" dirty="0">
+                <a:solidFill>
+                  <a:srgbClr val="000000"/>
+                </a:solidFill>
+                <a:latin typeface="나눔고딕 ExtraBold" panose="020D0904000000000000" pitchFamily="50" charset="-127"/>
+                <a:ea typeface="나눔고딕 ExtraBold" panose="020D0904000000000000" pitchFamily="50" charset="-127"/>
+              </a:rPr>
+              <a:t>보기</a:t>
+            </a:r>
+            <a:endParaRPr lang="ko-KR" altLang="en-US" sz="3200" dirty="0"/>
+          </a:p>
+        </p:txBody>
+      </p:sp>
+      <p:sp>
+        <p:nvSpPr>
+          <p:cNvPr id="13" name="TextBox 12">
+            <a:extLst>
+              <a:ext uri="{FF2B5EF4-FFF2-40B4-BE49-F238E27FC236}">
+                <a16:creationId xmlns:a16="http://schemas.microsoft.com/office/drawing/2014/main" id="{632DCB81-B451-E55B-160A-10754117E769}"/>
+              </a:ext>
+            </a:extLst>
+          </p:cNvPr>
+          <p:cNvSpPr txBox="1"/>
+          <p:nvPr/>
+        </p:nvSpPr>
+        <p:spPr>
+          <a:xfrm>
+            <a:off x="5083628" y="928256"/>
+            <a:ext cx="2634343" cy="584775"/>
+          </a:xfrm>
+          <a:prstGeom prst="rect">
+            <a:avLst/>
+          </a:prstGeom>
+          <a:noFill/>
+        </p:spPr>
+        <p:txBody>
+          <a:bodyPr wrap="square">
+            <a:spAutoFit/>
+          </a:bodyPr>
+          <a:lstStyle/>
+          <a:p>
+            <a:pPr algn="ctr"/>
+            <a:r>
+              <a:rPr lang="ko-KR" altLang="en-US" sz="3200" b="1" i="0" dirty="0">
+                <a:solidFill>
+                  <a:srgbClr val="000000"/>
+                </a:solidFill>
+                <a:effectLst/>
+                <a:latin typeface="나눔고딕 ExtraBold" panose="020D0904000000000000" pitchFamily="50" charset="-127"/>
+                <a:ea typeface="나눔고딕 ExtraBold" panose="020D0904000000000000" pitchFamily="50" charset="-127"/>
+              </a:rPr>
+              <a:t>생각하기</a:t>
+            </a:r>
+            <a:endParaRPr lang="ko-KR" altLang="en-US" sz="3200" dirty="0"/>
+          </a:p>
+        </p:txBody>
+      </p:sp>
+      <p:sp>
+        <p:nvSpPr>
+          <p:cNvPr id="14" name="TextBox 13">
+            <a:extLst>
+              <a:ext uri="{FF2B5EF4-FFF2-40B4-BE49-F238E27FC236}">
+                <a16:creationId xmlns:a16="http://schemas.microsoft.com/office/drawing/2014/main" id="{E5886491-C591-2E87-3898-A9F627CC6A2C}"/>
+              </a:ext>
+            </a:extLst>
+          </p:cNvPr>
+          <p:cNvSpPr txBox="1"/>
+          <p:nvPr/>
+        </p:nvSpPr>
+        <p:spPr>
+          <a:xfrm>
+            <a:off x="9347094" y="928256"/>
+            <a:ext cx="2634343" cy="584775"/>
+          </a:xfrm>
+          <a:prstGeom prst="rect">
+            <a:avLst/>
+          </a:prstGeom>
+          <a:noFill/>
+        </p:spPr>
+        <p:txBody>
+          <a:bodyPr wrap="square">
+            <a:spAutoFit/>
+          </a:bodyPr>
+          <a:lstStyle/>
+          <a:p>
+            <a:pPr algn="ctr"/>
+            <a:r>
+              <a:rPr lang="ko-KR" altLang="en-US" sz="3200" b="1" dirty="0">
+                <a:solidFill>
+                  <a:srgbClr val="000000"/>
+                </a:solidFill>
+                <a:latin typeface="나눔고딕 ExtraBold" panose="020D0904000000000000" pitchFamily="50" charset="-127"/>
+                <a:ea typeface="나눔고딕 ExtraBold" panose="020D0904000000000000" pitchFamily="50" charset="-127"/>
+              </a:rPr>
+              <a:t>질문하기</a:t>
+            </a:r>
+            <a:endParaRPr lang="ko-KR" altLang="en-US" sz="3200" dirty="0"/>
+          </a:p>
+        </p:txBody>
+      </p:sp>
+      <p:sp>
+        <p:nvSpPr>
+          <p:cNvPr id="15" name="TextBox 14">
+            <a:extLst>
+              <a:ext uri="{FF2B5EF4-FFF2-40B4-BE49-F238E27FC236}">
+                <a16:creationId xmlns:a16="http://schemas.microsoft.com/office/drawing/2014/main" id="{5A1E2EC1-D6A4-48A5-BF43-0362C393865B}"/>
+              </a:ext>
+            </a:extLst>
+          </p:cNvPr>
+          <p:cNvSpPr txBox="1"/>
+          <p:nvPr/>
+        </p:nvSpPr>
+        <p:spPr>
+          <a:xfrm>
+            <a:off x="113476" y="1599110"/>
+            <a:ext cx="4047718" cy="400110"/>
+          </a:xfrm>
+          <a:prstGeom prst="rect">
+            <a:avLst/>
+          </a:prstGeom>
+          <a:noFill/>
+        </p:spPr>
+        <p:txBody>
+          <a:bodyPr wrap="square">
+            <a:spAutoFit/>
+          </a:bodyPr>
+          <a:lstStyle/>
+          <a:p>
+            <a:pPr algn="ctr"/>
+            <a:r>
+              <a:rPr lang="ko-KR" altLang="en-US" sz="2000" dirty="0">
+                <a:solidFill>
+                  <a:srgbClr val="000000"/>
+                </a:solidFill>
+                <a:latin typeface="나눔고딕" panose="020D0604000000000000" pitchFamily="50" charset="-127"/>
+                <a:ea typeface="나눔고딕" panose="020D0604000000000000" pitchFamily="50" charset="-127"/>
+              </a:rPr>
+              <a:t>무엇이 보이나요</a:t>
+            </a:r>
+            <a:r>
+              <a:rPr lang="en-US" altLang="ko-KR" sz="2000" dirty="0">
+                <a:solidFill>
+                  <a:srgbClr val="000000"/>
+                </a:solidFill>
+                <a:latin typeface="나눔고딕" panose="020D0604000000000000" pitchFamily="50" charset="-127"/>
+                <a:ea typeface="나눔고딕" panose="020D0604000000000000" pitchFamily="50" charset="-127"/>
+              </a:rPr>
+              <a:t>?</a:t>
+            </a:r>
+            <a:endParaRPr lang="ko-KR" altLang="en-US" sz="2000" dirty="0">
+              <a:latin typeface="나눔고딕" panose="020D0604000000000000" pitchFamily="50" charset="-127"/>
+              <a:ea typeface="나눔고딕" panose="020D0604000000000000" pitchFamily="50" charset="-127"/>
+            </a:endParaRPr>
+          </a:p>
+        </p:txBody>
+      </p:sp>
+      <p:sp>
+        <p:nvSpPr>
+          <p:cNvPr id="16" name="TextBox 15">
+            <a:extLst>
+              <a:ext uri="{FF2B5EF4-FFF2-40B4-BE49-F238E27FC236}">
+                <a16:creationId xmlns:a16="http://schemas.microsoft.com/office/drawing/2014/main" id="{022365B8-37E2-A63C-1C7A-278F98349B11}"/>
+              </a:ext>
+            </a:extLst>
+          </p:cNvPr>
+          <p:cNvSpPr txBox="1"/>
+          <p:nvPr/>
+        </p:nvSpPr>
+        <p:spPr>
+          <a:xfrm>
+            <a:off x="4376943" y="1445222"/>
+            <a:ext cx="4047718" cy="707886"/>
+          </a:xfrm>
+          <a:prstGeom prst="rect">
+            <a:avLst/>
+          </a:prstGeom>
+          <a:noFill/>
+        </p:spPr>
+        <p:txBody>
+          <a:bodyPr wrap="square">
+            <a:spAutoFit/>
+          </a:bodyPr>
+          <a:lstStyle/>
+          <a:p>
+            <a:pPr algn="ctr"/>
+            <a:r>
+              <a:rPr lang="ko-KR" altLang="en-US" sz="2000" dirty="0">
+                <a:solidFill>
+                  <a:srgbClr val="000000"/>
+                </a:solidFill>
+                <a:latin typeface="나눔고딕" panose="020D0604000000000000" pitchFamily="50" charset="-127"/>
+                <a:ea typeface="나눔고딕" panose="020D0604000000000000" pitchFamily="50" charset="-127"/>
+              </a:rPr>
+              <a:t>무슨 일이 일어나고 있다고 생각하나요</a:t>
+            </a:r>
+            <a:r>
+              <a:rPr lang="en-US" altLang="ko-KR" sz="2000" dirty="0">
+                <a:solidFill>
+                  <a:srgbClr val="000000"/>
+                </a:solidFill>
+                <a:latin typeface="나눔고딕" panose="020D0604000000000000" pitchFamily="50" charset="-127"/>
+                <a:ea typeface="나눔고딕" panose="020D0604000000000000" pitchFamily="50" charset="-127"/>
+              </a:rPr>
+              <a:t>?</a:t>
+            </a:r>
+            <a:endParaRPr lang="ko-KR" altLang="en-US" sz="2000" dirty="0">
+              <a:latin typeface="나눔고딕" panose="020D0604000000000000" pitchFamily="50" charset="-127"/>
+              <a:ea typeface="나눔고딕" panose="020D0604000000000000" pitchFamily="50" charset="-127"/>
+            </a:endParaRPr>
+          </a:p>
+        </p:txBody>
+      </p:sp>
+      <p:sp>
+        <p:nvSpPr>
+          <p:cNvPr id="17" name="TextBox 16">
+            <a:extLst>
+              <a:ext uri="{FF2B5EF4-FFF2-40B4-BE49-F238E27FC236}">
+                <a16:creationId xmlns:a16="http://schemas.microsoft.com/office/drawing/2014/main" id="{AAEE4D55-FC25-0D63-95F4-712A54AF9B50}"/>
+              </a:ext>
+            </a:extLst>
+          </p:cNvPr>
+          <p:cNvSpPr txBox="1"/>
+          <p:nvPr/>
+        </p:nvSpPr>
+        <p:spPr>
+          <a:xfrm>
+            <a:off x="8640404" y="1599110"/>
+            <a:ext cx="4047718" cy="400110"/>
+          </a:xfrm>
+          <a:prstGeom prst="rect">
+            <a:avLst/>
+          </a:prstGeom>
+          <a:noFill/>
+        </p:spPr>
+        <p:txBody>
+          <a:bodyPr wrap="square">
+            <a:spAutoFit/>
+          </a:bodyPr>
+          <a:lstStyle/>
+          <a:p>
+            <a:pPr algn="ctr"/>
+            <a:r>
+              <a:rPr lang="ko-KR" altLang="en-US" sz="2000" dirty="0">
+                <a:solidFill>
+                  <a:srgbClr val="000000"/>
+                </a:solidFill>
+                <a:latin typeface="나눔고딕" panose="020D0604000000000000" pitchFamily="50" charset="-127"/>
+                <a:ea typeface="나눔고딕" panose="020D0604000000000000" pitchFamily="50" charset="-127"/>
+              </a:rPr>
+              <a:t>이것을 보니 무엇이 궁금해지나요</a:t>
+            </a:r>
+            <a:r>
+              <a:rPr lang="en-US" altLang="ko-KR" sz="2000" dirty="0">
+                <a:solidFill>
+                  <a:srgbClr val="000000"/>
+                </a:solidFill>
+                <a:latin typeface="나눔고딕" panose="020D0604000000000000" pitchFamily="50" charset="-127"/>
+                <a:ea typeface="나눔고딕" panose="020D0604000000000000" pitchFamily="50" charset="-127"/>
+              </a:rPr>
+              <a:t>?</a:t>
+            </a:r>
+            <a:endParaRPr lang="ko-KR" altLang="en-US" sz="2000" dirty="0">
+              <a:latin typeface="나눔고딕" panose="020D0604000000000000" pitchFamily="50" charset="-127"/>
+              <a:ea typeface="나눔고딕" panose="020D0604000000000000" pitchFamily="50" charset="-127"/>
+            </a:endParaRPr>
+          </a:p>
+        </p:txBody>
+      </p:sp>
+    </p:spTree>
+    <p:extLst>
+      <p:ext uri="{BB962C8B-B14F-4D97-AF65-F5344CB8AC3E}">
+        <p14:creationId xmlns:p14="http://schemas.microsoft.com/office/powerpoint/2010/main" val="1655029804"/>
+      </p:ext>
+    </p:extLst>
+  </p:cSld>
+  <p:clrMapOvr>
+    <a:masterClrMapping/>
+  </p:clrMapOvr>
+</p:sld>
+</file>
+
+<file path=ppt/slides/slide7.xml><?xml version="1.0" encoding="utf-8"?>
+<p:sld xmlns:a="http://schemas.openxmlformats.org/drawingml/2006/main" xmlns:r="http://schemas.openxmlformats.org/officeDocument/2006/relationships" xmlns:p="http://schemas.openxmlformats.org/presentationml/2006/main">
+  <p:cSld>
+    <p:spTree>
+      <p:nvGrpSpPr>
+        <p:cNvPr id="1" name="">
+          <a:extLst>
+            <a:ext uri="{FF2B5EF4-FFF2-40B4-BE49-F238E27FC236}">
+              <a16:creationId xmlns:a16="http://schemas.microsoft.com/office/drawing/2014/main" id="{B9CB73D1-ED63-BB42-090B-A143E32188F3}"/>
+            </a:ext>
+          </a:extLst>
+        </p:cNvPr>
+        <p:cNvGrpSpPr/>
+        <p:nvPr/>
+      </p:nvGrpSpPr>
+      <p:grpSpPr>
+        <a:xfrm>
+          <a:off x="0" y="0"/>
+          <a:ext cx="0" cy="0"/>
+          <a:chOff x="0" y="0"/>
+          <a:chExt cx="0" cy="0"/>
+        </a:xfrm>
+      </p:grpSpPr>
+      <p:sp>
+        <p:nvSpPr>
+          <p:cNvPr id="2" name="TextBox 1">
+            <a:extLst>
+              <a:ext uri="{FF2B5EF4-FFF2-40B4-BE49-F238E27FC236}">
+                <a16:creationId xmlns:a16="http://schemas.microsoft.com/office/drawing/2014/main" id="{06F71121-34AE-ACC2-EE14-2E849CB6E5CF}"/>
+              </a:ext>
+            </a:extLst>
+          </p:cNvPr>
+          <p:cNvSpPr txBox="1"/>
+          <p:nvPr/>
+        </p:nvSpPr>
+        <p:spPr>
+          <a:xfrm>
+            <a:off x="820163" y="182480"/>
+            <a:ext cx="11161274" cy="584775"/>
+          </a:xfrm>
+          <a:prstGeom prst="rect">
+            <a:avLst/>
+          </a:prstGeom>
+          <a:noFill/>
+        </p:spPr>
+        <p:txBody>
+          <a:bodyPr wrap="square">
+            <a:spAutoFit/>
+          </a:bodyPr>
+          <a:lstStyle/>
+          <a:p>
+            <a:pPr algn="ctr"/>
+            <a:r>
+              <a:rPr lang="ko-KR" altLang="en-US" sz="3200" b="1" dirty="0">
+                <a:solidFill>
+                  <a:srgbClr val="000000"/>
+                </a:solidFill>
+                <a:latin typeface="나눔고딕 ExtraBold" panose="020D0904000000000000" pitchFamily="50" charset="-127"/>
+                <a:ea typeface="나눔고딕 ExtraBold" panose="020D0904000000000000" pitchFamily="50" charset="-127"/>
+              </a:rPr>
+              <a:t>생각하고</a:t>
+            </a:r>
+            <a:r>
+              <a:rPr lang="en-US" altLang="ko-KR" sz="3200" b="1" dirty="0">
+                <a:solidFill>
+                  <a:srgbClr val="000000"/>
+                </a:solidFill>
+                <a:latin typeface="나눔고딕 ExtraBold" panose="020D0904000000000000" pitchFamily="50" charset="-127"/>
+                <a:ea typeface="나눔고딕 ExtraBold" panose="020D0904000000000000" pitchFamily="50" charset="-127"/>
+              </a:rPr>
+              <a:t>, </a:t>
+            </a:r>
+            <a:r>
+              <a:rPr lang="ko-KR" altLang="en-US" sz="3200" b="1" dirty="0">
+                <a:solidFill>
+                  <a:srgbClr val="000000"/>
+                </a:solidFill>
+                <a:latin typeface="나눔고딕 ExtraBold" panose="020D0904000000000000" pitchFamily="50" charset="-127"/>
+                <a:ea typeface="나눔고딕 ExtraBold" panose="020D0904000000000000" pitchFamily="50" charset="-127"/>
+              </a:rPr>
+              <a:t>질문하고</a:t>
+            </a:r>
+            <a:r>
+              <a:rPr lang="en-US" altLang="ko-KR" sz="3200" b="1" dirty="0">
+                <a:solidFill>
+                  <a:srgbClr val="000000"/>
+                </a:solidFill>
+                <a:latin typeface="나눔고딕 ExtraBold" panose="020D0904000000000000" pitchFamily="50" charset="-127"/>
+                <a:ea typeface="나눔고딕 ExtraBold" panose="020D0904000000000000" pitchFamily="50" charset="-127"/>
+              </a:rPr>
+              <a:t>, </a:t>
+            </a:r>
+            <a:r>
+              <a:rPr lang="ko-KR" altLang="en-US" sz="3200" b="1" dirty="0">
+                <a:solidFill>
+                  <a:srgbClr val="000000"/>
+                </a:solidFill>
+                <a:latin typeface="나눔고딕 ExtraBold" panose="020D0904000000000000" pitchFamily="50" charset="-127"/>
+                <a:ea typeface="나눔고딕 ExtraBold" panose="020D0904000000000000" pitchFamily="50" charset="-127"/>
+              </a:rPr>
+              <a:t>탐구하기</a:t>
+            </a:r>
+            <a:r>
+              <a:rPr lang="en-US" altLang="ko-KR" sz="3200" b="1" dirty="0">
+                <a:solidFill>
+                  <a:srgbClr val="000000"/>
+                </a:solidFill>
+                <a:latin typeface="나눔고딕 ExtraBold" panose="020D0904000000000000" pitchFamily="50" charset="-127"/>
+                <a:ea typeface="나눔고딕 ExtraBold" panose="020D0904000000000000" pitchFamily="50" charset="-127"/>
+              </a:rPr>
+              <a:t>(</a:t>
+            </a:r>
+            <a:r>
+              <a:rPr lang="en-US" altLang="ko-KR" sz="3200" b="1" i="0" dirty="0">
+                <a:solidFill>
+                  <a:srgbClr val="000000"/>
+                </a:solidFill>
+                <a:effectLst/>
+                <a:latin typeface="나눔고딕 ExtraBold" panose="020D0904000000000000" pitchFamily="50" charset="-127"/>
+                <a:ea typeface="나눔고딕 ExtraBold" panose="020D0904000000000000" pitchFamily="50" charset="-127"/>
+              </a:rPr>
+              <a:t>Think, Puzzle, Explore)</a:t>
+            </a:r>
+            <a:endParaRPr lang="ko-KR" altLang="en-US" sz="3200" dirty="0">
+              <a:latin typeface="나눔고딕 ExtraBold" panose="020D0904000000000000" pitchFamily="50" charset="-127"/>
+              <a:ea typeface="나눔고딕 ExtraBold" panose="020D0904000000000000" pitchFamily="50" charset="-127"/>
+            </a:endParaRPr>
+          </a:p>
+        </p:txBody>
+      </p:sp>
+      <p:grpSp>
+        <p:nvGrpSpPr>
+          <p:cNvPr id="6" name="그룹 5">
+            <a:extLst>
+              <a:ext uri="{FF2B5EF4-FFF2-40B4-BE49-F238E27FC236}">
+                <a16:creationId xmlns:a16="http://schemas.microsoft.com/office/drawing/2014/main" id="{D95E0CB2-40F2-C3FA-BB87-821C88A9B814}"/>
+              </a:ext>
+            </a:extLst>
+          </p:cNvPr>
+          <p:cNvGrpSpPr/>
+          <p:nvPr/>
+        </p:nvGrpSpPr>
+        <p:grpSpPr>
+          <a:xfrm>
+            <a:off x="113475" y="928256"/>
+            <a:ext cx="12574650" cy="1263401"/>
+            <a:chOff x="110836" y="928256"/>
+            <a:chExt cx="13227792" cy="4176142"/>
+          </a:xfrm>
+        </p:grpSpPr>
+        <p:sp>
+          <p:nvSpPr>
+            <p:cNvPr id="3" name="직사각형 2">
+              <a:extLst>
+                <a:ext uri="{FF2B5EF4-FFF2-40B4-BE49-F238E27FC236}">
+                  <a16:creationId xmlns:a16="http://schemas.microsoft.com/office/drawing/2014/main" id="{D329A619-AC0D-7A00-96D9-EDF6C3506E67}"/>
+                </a:ext>
+              </a:extLst>
+            </p:cNvPr>
+            <p:cNvSpPr/>
+            <p:nvPr/>
+          </p:nvSpPr>
+          <p:spPr>
+            <a:xfrm>
+              <a:off x="110836" y="928256"/>
+              <a:ext cx="4257964" cy="4176142"/>
+            </a:xfrm>
+            <a:prstGeom prst="rect">
+              <a:avLst/>
+            </a:prstGeom>
+            <a:noFill/>
+            <a:ln w="28575">
+              <a:solidFill>
+                <a:schemeClr val="tx1"/>
+              </a:solidFill>
+            </a:ln>
+          </p:spPr>
+          <p:style>
+            <a:lnRef idx="2">
+              <a:schemeClr val="accent1">
+                <a:shade val="15000"/>
+              </a:schemeClr>
+            </a:lnRef>
+            <a:fillRef idx="1">
+              <a:schemeClr val="accent1"/>
+            </a:fillRef>
+            <a:effectRef idx="0">
+              <a:schemeClr val="accent1"/>
+            </a:effectRef>
+            <a:fontRef idx="minor">
+              <a:schemeClr val="lt1"/>
+            </a:fontRef>
+          </p:style>
+          <p:txBody>
+            <a:bodyPr rtlCol="0" anchor="ctr"/>
+            <a:lstStyle/>
+            <a:p>
+              <a:pPr algn="ctr"/>
+              <a:endParaRPr lang="ko-KR" altLang="en-US"/>
+            </a:p>
+          </p:txBody>
+        </p:sp>
+        <p:sp>
+          <p:nvSpPr>
+            <p:cNvPr id="4" name="직사각형 3">
+              <a:extLst>
+                <a:ext uri="{FF2B5EF4-FFF2-40B4-BE49-F238E27FC236}">
+                  <a16:creationId xmlns:a16="http://schemas.microsoft.com/office/drawing/2014/main" id="{7E017F8D-B7E8-086D-B752-EB2C7C0A0BA9}"/>
+                </a:ext>
+              </a:extLst>
+            </p:cNvPr>
+            <p:cNvSpPr/>
+            <p:nvPr/>
+          </p:nvSpPr>
+          <p:spPr>
+            <a:xfrm>
+              <a:off x="4595750" y="928256"/>
+              <a:ext cx="4257964" cy="4176142"/>
+            </a:xfrm>
+            <a:prstGeom prst="rect">
+              <a:avLst/>
+            </a:prstGeom>
+            <a:noFill/>
+            <a:ln w="28575">
+              <a:solidFill>
+                <a:schemeClr val="tx1"/>
+              </a:solidFill>
+            </a:ln>
+          </p:spPr>
+          <p:style>
+            <a:lnRef idx="2">
+              <a:schemeClr val="accent1">
+                <a:shade val="15000"/>
+              </a:schemeClr>
+            </a:lnRef>
+            <a:fillRef idx="1">
+              <a:schemeClr val="accent1"/>
+            </a:fillRef>
+            <a:effectRef idx="0">
+              <a:schemeClr val="accent1"/>
+            </a:effectRef>
+            <a:fontRef idx="minor">
+              <a:schemeClr val="lt1"/>
+            </a:fontRef>
+          </p:style>
+          <p:txBody>
+            <a:bodyPr rtlCol="0" anchor="ctr"/>
+            <a:lstStyle/>
+            <a:p>
+              <a:pPr algn="ctr"/>
+              <a:endParaRPr lang="ko-KR" altLang="en-US"/>
+            </a:p>
+          </p:txBody>
+        </p:sp>
+        <p:sp>
+          <p:nvSpPr>
+            <p:cNvPr id="5" name="직사각형 4">
+              <a:extLst>
+                <a:ext uri="{FF2B5EF4-FFF2-40B4-BE49-F238E27FC236}">
+                  <a16:creationId xmlns:a16="http://schemas.microsoft.com/office/drawing/2014/main" id="{2DF0E3E0-20EF-4A24-E794-202AEDC1E65E}"/>
+                </a:ext>
+              </a:extLst>
+            </p:cNvPr>
+            <p:cNvSpPr/>
+            <p:nvPr/>
+          </p:nvSpPr>
+          <p:spPr>
+            <a:xfrm>
+              <a:off x="9080664" y="928256"/>
+              <a:ext cx="4257964" cy="4176142"/>
+            </a:xfrm>
+            <a:prstGeom prst="rect">
+              <a:avLst/>
+            </a:prstGeom>
+            <a:noFill/>
+            <a:ln w="28575">
+              <a:solidFill>
+                <a:schemeClr val="tx1"/>
+              </a:solidFill>
+            </a:ln>
+          </p:spPr>
+          <p:style>
+            <a:lnRef idx="2">
+              <a:schemeClr val="accent1">
+                <a:shade val="15000"/>
+              </a:schemeClr>
+            </a:lnRef>
+            <a:fillRef idx="1">
+              <a:schemeClr val="accent1"/>
+            </a:fillRef>
+            <a:effectRef idx="0">
+              <a:schemeClr val="accent1"/>
+            </a:effectRef>
+            <a:fontRef idx="minor">
+              <a:schemeClr val="lt1"/>
+            </a:fontRef>
+          </p:style>
+          <p:txBody>
+            <a:bodyPr rtlCol="0" anchor="ctr"/>
+            <a:lstStyle/>
+            <a:p>
+              <a:pPr algn="ctr"/>
+              <a:endParaRPr lang="ko-KR" altLang="en-US"/>
+            </a:p>
+          </p:txBody>
+        </p:sp>
+      </p:grpSp>
+      <p:grpSp>
+        <p:nvGrpSpPr>
+          <p:cNvPr id="7" name="그룹 6">
+            <a:extLst>
+              <a:ext uri="{FF2B5EF4-FFF2-40B4-BE49-F238E27FC236}">
+                <a16:creationId xmlns:a16="http://schemas.microsoft.com/office/drawing/2014/main" id="{8130996A-6BC2-CDBD-818B-6C9C0B0EF349}"/>
+              </a:ext>
+            </a:extLst>
+          </p:cNvPr>
+          <p:cNvGrpSpPr/>
+          <p:nvPr/>
+        </p:nvGrpSpPr>
+        <p:grpSpPr>
+          <a:xfrm>
+            <a:off x="113475" y="2190998"/>
+            <a:ext cx="12574650" cy="7227722"/>
+            <a:chOff x="110836" y="928256"/>
+            <a:chExt cx="13227792" cy="4176142"/>
+          </a:xfrm>
+        </p:grpSpPr>
+        <p:sp>
+          <p:nvSpPr>
+            <p:cNvPr id="8" name="직사각형 7">
+              <a:extLst>
+                <a:ext uri="{FF2B5EF4-FFF2-40B4-BE49-F238E27FC236}">
+                  <a16:creationId xmlns:a16="http://schemas.microsoft.com/office/drawing/2014/main" id="{35819F15-1536-4EB8-2F98-1E971B731A10}"/>
+                </a:ext>
+              </a:extLst>
+            </p:cNvPr>
+            <p:cNvSpPr/>
+            <p:nvPr/>
+          </p:nvSpPr>
+          <p:spPr>
+            <a:xfrm>
+              <a:off x="110836" y="928256"/>
+              <a:ext cx="4257964" cy="4176142"/>
+            </a:xfrm>
+            <a:prstGeom prst="rect">
+              <a:avLst/>
+            </a:prstGeom>
+            <a:noFill/>
+            <a:ln w="28575">
+              <a:solidFill>
+                <a:schemeClr val="tx1"/>
+              </a:solidFill>
+            </a:ln>
+          </p:spPr>
+          <p:style>
+            <a:lnRef idx="2">
+              <a:schemeClr val="accent1">
+                <a:shade val="15000"/>
+              </a:schemeClr>
+            </a:lnRef>
+            <a:fillRef idx="1">
+              <a:schemeClr val="accent1"/>
+            </a:fillRef>
+            <a:effectRef idx="0">
+              <a:schemeClr val="accent1"/>
+            </a:effectRef>
+            <a:fontRef idx="minor">
+              <a:schemeClr val="lt1"/>
+            </a:fontRef>
+          </p:style>
+          <p:txBody>
+            <a:bodyPr rtlCol="0" anchor="ctr"/>
+            <a:lstStyle/>
+            <a:p>
+              <a:pPr algn="ctr"/>
+              <a:endParaRPr lang="ko-KR" altLang="en-US"/>
+            </a:p>
+          </p:txBody>
+        </p:sp>
+        <p:sp>
+          <p:nvSpPr>
+            <p:cNvPr id="9" name="직사각형 8">
+              <a:extLst>
+                <a:ext uri="{FF2B5EF4-FFF2-40B4-BE49-F238E27FC236}">
+                  <a16:creationId xmlns:a16="http://schemas.microsoft.com/office/drawing/2014/main" id="{B3C706EC-96FD-9013-82A4-8CC35E0411E0}"/>
+                </a:ext>
+              </a:extLst>
+            </p:cNvPr>
+            <p:cNvSpPr/>
+            <p:nvPr/>
+          </p:nvSpPr>
+          <p:spPr>
+            <a:xfrm>
+              <a:off x="4595750" y="928256"/>
+              <a:ext cx="4257964" cy="4176142"/>
+            </a:xfrm>
+            <a:prstGeom prst="rect">
+              <a:avLst/>
+            </a:prstGeom>
+            <a:noFill/>
+            <a:ln w="28575">
+              <a:solidFill>
+                <a:schemeClr val="tx1"/>
+              </a:solidFill>
+            </a:ln>
+          </p:spPr>
+          <p:style>
+            <a:lnRef idx="2">
+              <a:schemeClr val="accent1">
+                <a:shade val="15000"/>
+              </a:schemeClr>
+            </a:lnRef>
+            <a:fillRef idx="1">
+              <a:schemeClr val="accent1"/>
+            </a:fillRef>
+            <a:effectRef idx="0">
+              <a:schemeClr val="accent1"/>
+            </a:effectRef>
+            <a:fontRef idx="minor">
+              <a:schemeClr val="lt1"/>
+            </a:fontRef>
+          </p:style>
+          <p:txBody>
+            <a:bodyPr rtlCol="0" anchor="ctr"/>
+            <a:lstStyle/>
+            <a:p>
+              <a:pPr algn="ctr"/>
+              <a:endParaRPr lang="ko-KR" altLang="en-US"/>
+            </a:p>
+          </p:txBody>
+        </p:sp>
+        <p:sp>
+          <p:nvSpPr>
+            <p:cNvPr id="10" name="직사각형 9">
+              <a:extLst>
+                <a:ext uri="{FF2B5EF4-FFF2-40B4-BE49-F238E27FC236}">
+                  <a16:creationId xmlns:a16="http://schemas.microsoft.com/office/drawing/2014/main" id="{EFE345C0-4188-12E0-F28F-D27672560011}"/>
+                </a:ext>
+              </a:extLst>
+            </p:cNvPr>
+            <p:cNvSpPr/>
+            <p:nvPr/>
+          </p:nvSpPr>
+          <p:spPr>
+            <a:xfrm>
+              <a:off x="9080664" y="928256"/>
+              <a:ext cx="4257964" cy="4176142"/>
+            </a:xfrm>
+            <a:prstGeom prst="rect">
+              <a:avLst/>
+            </a:prstGeom>
+            <a:noFill/>
+            <a:ln w="28575">
+              <a:solidFill>
+                <a:schemeClr val="tx1"/>
+              </a:solidFill>
+            </a:ln>
+          </p:spPr>
+          <p:style>
+            <a:lnRef idx="2">
+              <a:schemeClr val="accent1">
+                <a:shade val="15000"/>
+              </a:schemeClr>
+            </a:lnRef>
+            <a:fillRef idx="1">
+              <a:schemeClr val="accent1"/>
+            </a:fillRef>
+            <a:effectRef idx="0">
+              <a:schemeClr val="accent1"/>
+            </a:effectRef>
+            <a:fontRef idx="minor">
+              <a:schemeClr val="lt1"/>
+            </a:fontRef>
+          </p:style>
+          <p:txBody>
+            <a:bodyPr rtlCol="0" anchor="ctr"/>
+            <a:lstStyle/>
+            <a:p>
+              <a:pPr algn="ctr"/>
+              <a:endParaRPr lang="ko-KR" altLang="en-US"/>
+            </a:p>
+          </p:txBody>
+        </p:sp>
+      </p:grpSp>
+      <p:sp>
+        <p:nvSpPr>
+          <p:cNvPr id="12" name="TextBox 11">
+            <a:extLst>
+              <a:ext uri="{FF2B5EF4-FFF2-40B4-BE49-F238E27FC236}">
+                <a16:creationId xmlns:a16="http://schemas.microsoft.com/office/drawing/2014/main" id="{5BE09251-A97D-1590-4631-E41DDC33E268}"/>
+              </a:ext>
+            </a:extLst>
+          </p:cNvPr>
+          <p:cNvSpPr txBox="1"/>
+          <p:nvPr/>
+        </p:nvSpPr>
+        <p:spPr>
+          <a:xfrm>
+            <a:off x="820163" y="928256"/>
+            <a:ext cx="2634343" cy="584775"/>
+          </a:xfrm>
+          <a:prstGeom prst="rect">
+            <a:avLst/>
+          </a:prstGeom>
+          <a:noFill/>
+        </p:spPr>
+        <p:txBody>
+          <a:bodyPr wrap="square">
+            <a:spAutoFit/>
+          </a:bodyPr>
+          <a:lstStyle/>
+          <a:p>
+            <a:pPr algn="ctr"/>
+            <a:r>
+              <a:rPr lang="ko-KR" altLang="en-US" sz="3200" b="1" dirty="0">
+                <a:solidFill>
+                  <a:srgbClr val="000000"/>
+                </a:solidFill>
+                <a:latin typeface="나눔고딕 ExtraBold" panose="020D0904000000000000" pitchFamily="50" charset="-127"/>
+                <a:ea typeface="나눔고딕 ExtraBold" panose="020D0904000000000000" pitchFamily="50" charset="-127"/>
+              </a:rPr>
+              <a:t>생각하기</a:t>
+            </a:r>
+            <a:endParaRPr lang="ko-KR" altLang="en-US" sz="3200" dirty="0"/>
+          </a:p>
+        </p:txBody>
+      </p:sp>
+      <p:sp>
+        <p:nvSpPr>
+          <p:cNvPr id="13" name="TextBox 12">
+            <a:extLst>
+              <a:ext uri="{FF2B5EF4-FFF2-40B4-BE49-F238E27FC236}">
+                <a16:creationId xmlns:a16="http://schemas.microsoft.com/office/drawing/2014/main" id="{742074A1-A10F-71C7-3761-682E303DA7E3}"/>
+              </a:ext>
+            </a:extLst>
+          </p:cNvPr>
+          <p:cNvSpPr txBox="1"/>
+          <p:nvPr/>
+        </p:nvSpPr>
+        <p:spPr>
+          <a:xfrm>
+            <a:off x="5083628" y="928256"/>
+            <a:ext cx="2634343" cy="584775"/>
+          </a:xfrm>
+          <a:prstGeom prst="rect">
+            <a:avLst/>
+          </a:prstGeom>
+          <a:noFill/>
+        </p:spPr>
+        <p:txBody>
+          <a:bodyPr wrap="square">
+            <a:spAutoFit/>
+          </a:bodyPr>
+          <a:lstStyle/>
+          <a:p>
+            <a:pPr algn="ctr"/>
+            <a:r>
+              <a:rPr lang="ko-KR" altLang="en-US" sz="3200" b="1" i="0" dirty="0">
+                <a:solidFill>
+                  <a:srgbClr val="000000"/>
+                </a:solidFill>
+                <a:effectLst/>
+                <a:latin typeface="나눔고딕 ExtraBold" panose="020D0904000000000000" pitchFamily="50" charset="-127"/>
+                <a:ea typeface="나눔고딕 ExtraBold" panose="020D0904000000000000" pitchFamily="50" charset="-127"/>
+              </a:rPr>
+              <a:t>질문하기</a:t>
+            </a:r>
+            <a:endParaRPr lang="ko-KR" altLang="en-US" sz="3200" dirty="0"/>
+          </a:p>
+        </p:txBody>
+      </p:sp>
+      <p:sp>
+        <p:nvSpPr>
+          <p:cNvPr id="14" name="TextBox 13">
+            <a:extLst>
+              <a:ext uri="{FF2B5EF4-FFF2-40B4-BE49-F238E27FC236}">
+                <a16:creationId xmlns:a16="http://schemas.microsoft.com/office/drawing/2014/main" id="{E298FCFC-5B4E-450B-206A-1F2F15F49A16}"/>
+              </a:ext>
+            </a:extLst>
+          </p:cNvPr>
+          <p:cNvSpPr txBox="1"/>
+          <p:nvPr/>
+        </p:nvSpPr>
+        <p:spPr>
+          <a:xfrm>
+            <a:off x="9347094" y="928256"/>
+            <a:ext cx="2634343" cy="584775"/>
+          </a:xfrm>
+          <a:prstGeom prst="rect">
+            <a:avLst/>
+          </a:prstGeom>
+          <a:noFill/>
+        </p:spPr>
+        <p:txBody>
+          <a:bodyPr wrap="square">
+            <a:spAutoFit/>
+          </a:bodyPr>
+          <a:lstStyle/>
+          <a:p>
+            <a:pPr algn="ctr"/>
+            <a:r>
+              <a:rPr lang="ko-KR" altLang="en-US" sz="3200" b="1" dirty="0">
+                <a:solidFill>
+                  <a:srgbClr val="000000"/>
+                </a:solidFill>
+                <a:latin typeface="나눔고딕 ExtraBold" panose="020D0904000000000000" pitchFamily="50" charset="-127"/>
+                <a:ea typeface="나눔고딕 ExtraBold" panose="020D0904000000000000" pitchFamily="50" charset="-127"/>
+              </a:rPr>
+              <a:t>탐구하기</a:t>
+            </a:r>
+            <a:endParaRPr lang="ko-KR" altLang="en-US" sz="3200" dirty="0"/>
+          </a:p>
+        </p:txBody>
+      </p:sp>
+      <p:sp>
+        <p:nvSpPr>
+          <p:cNvPr id="15" name="TextBox 14">
+            <a:extLst>
+              <a:ext uri="{FF2B5EF4-FFF2-40B4-BE49-F238E27FC236}">
+                <a16:creationId xmlns:a16="http://schemas.microsoft.com/office/drawing/2014/main" id="{01D65570-3BED-396C-373F-48361CDE782A}"/>
+              </a:ext>
+            </a:extLst>
+          </p:cNvPr>
+          <p:cNvSpPr txBox="1"/>
+          <p:nvPr/>
+        </p:nvSpPr>
+        <p:spPr>
+          <a:xfrm>
+            <a:off x="113476" y="1599110"/>
+            <a:ext cx="4047718" cy="400110"/>
+          </a:xfrm>
+          <a:prstGeom prst="rect">
+            <a:avLst/>
+          </a:prstGeom>
+          <a:noFill/>
+        </p:spPr>
+        <p:txBody>
+          <a:bodyPr wrap="square">
+            <a:spAutoFit/>
+          </a:bodyPr>
+          <a:lstStyle/>
+          <a:p>
+            <a:pPr algn="ctr"/>
+            <a:r>
+              <a:rPr lang="ko-KR" altLang="en-US" sz="2000" dirty="0">
+                <a:solidFill>
+                  <a:srgbClr val="000000"/>
+                </a:solidFill>
+                <a:latin typeface="나눔고딕" panose="020D0604000000000000" pitchFamily="50" charset="-127"/>
+                <a:ea typeface="나눔고딕" panose="020D0604000000000000" pitchFamily="50" charset="-127"/>
+              </a:rPr>
+              <a:t>무엇을 알고 있다고 생각하나요</a:t>
+            </a:r>
+            <a:r>
+              <a:rPr lang="en-US" altLang="ko-KR" sz="2000" dirty="0">
+                <a:solidFill>
+                  <a:srgbClr val="000000"/>
+                </a:solidFill>
+                <a:latin typeface="나눔고딕" panose="020D0604000000000000" pitchFamily="50" charset="-127"/>
+                <a:ea typeface="나눔고딕" panose="020D0604000000000000" pitchFamily="50" charset="-127"/>
+              </a:rPr>
+              <a:t>?</a:t>
+            </a:r>
+            <a:endParaRPr lang="ko-KR" altLang="en-US" sz="2000" dirty="0">
+              <a:latin typeface="나눔고딕" panose="020D0604000000000000" pitchFamily="50" charset="-127"/>
+              <a:ea typeface="나눔고딕" panose="020D0604000000000000" pitchFamily="50" charset="-127"/>
+            </a:endParaRPr>
+          </a:p>
+        </p:txBody>
+      </p:sp>
+      <p:sp>
+        <p:nvSpPr>
+          <p:cNvPr id="16" name="TextBox 15">
+            <a:extLst>
+              <a:ext uri="{FF2B5EF4-FFF2-40B4-BE49-F238E27FC236}">
+                <a16:creationId xmlns:a16="http://schemas.microsoft.com/office/drawing/2014/main" id="{84EBB5B2-0DC4-A172-4859-F334E9492AFB}"/>
+              </a:ext>
+            </a:extLst>
+          </p:cNvPr>
+          <p:cNvSpPr txBox="1"/>
+          <p:nvPr/>
+        </p:nvSpPr>
+        <p:spPr>
+          <a:xfrm>
+            <a:off x="4376943" y="1599110"/>
+            <a:ext cx="4047718" cy="400110"/>
+          </a:xfrm>
+          <a:prstGeom prst="rect">
+            <a:avLst/>
+          </a:prstGeom>
+          <a:noFill/>
+        </p:spPr>
+        <p:txBody>
+          <a:bodyPr wrap="square">
+            <a:spAutoFit/>
+          </a:bodyPr>
+          <a:lstStyle/>
+          <a:p>
+            <a:pPr algn="ctr"/>
+            <a:r>
+              <a:rPr lang="ko-KR" altLang="en-US" sz="2000" dirty="0">
+                <a:solidFill>
+                  <a:srgbClr val="000000"/>
+                </a:solidFill>
+                <a:latin typeface="나눔고딕" panose="020D0604000000000000" pitchFamily="50" charset="-127"/>
+                <a:ea typeface="나눔고딕" panose="020D0604000000000000" pitchFamily="50" charset="-127"/>
+              </a:rPr>
+              <a:t>어떤 질문이나 궁금한 점이 있나요</a:t>
+            </a:r>
+            <a:r>
+              <a:rPr lang="en-US" altLang="ko-KR" sz="2000" dirty="0">
+                <a:solidFill>
+                  <a:srgbClr val="000000"/>
+                </a:solidFill>
+                <a:latin typeface="나눔고딕" panose="020D0604000000000000" pitchFamily="50" charset="-127"/>
+                <a:ea typeface="나눔고딕" panose="020D0604000000000000" pitchFamily="50" charset="-127"/>
+              </a:rPr>
+              <a:t>?</a:t>
+            </a:r>
+            <a:endParaRPr lang="ko-KR" altLang="en-US" sz="2000" dirty="0">
+              <a:latin typeface="나눔고딕" panose="020D0604000000000000" pitchFamily="50" charset="-127"/>
+              <a:ea typeface="나눔고딕" panose="020D0604000000000000" pitchFamily="50" charset="-127"/>
+            </a:endParaRPr>
+          </a:p>
+        </p:txBody>
+      </p:sp>
+      <p:sp>
+        <p:nvSpPr>
+          <p:cNvPr id="17" name="TextBox 16">
+            <a:extLst>
+              <a:ext uri="{FF2B5EF4-FFF2-40B4-BE49-F238E27FC236}">
+                <a16:creationId xmlns:a16="http://schemas.microsoft.com/office/drawing/2014/main" id="{3559286D-DDCD-334F-7F2E-AE46B7A54463}"/>
+              </a:ext>
+            </a:extLst>
+          </p:cNvPr>
+          <p:cNvSpPr txBox="1"/>
+          <p:nvPr/>
+        </p:nvSpPr>
+        <p:spPr>
+          <a:xfrm>
+            <a:off x="8640404" y="1445222"/>
+            <a:ext cx="4047718" cy="707886"/>
+          </a:xfrm>
+          <a:prstGeom prst="rect">
+            <a:avLst/>
+          </a:prstGeom>
+          <a:noFill/>
+        </p:spPr>
+        <p:txBody>
+          <a:bodyPr wrap="square">
+            <a:spAutoFit/>
+          </a:bodyPr>
+          <a:lstStyle/>
+          <a:p>
+            <a:pPr algn="ctr"/>
+            <a:r>
+              <a:rPr lang="ko-KR" altLang="en-US" sz="2000" dirty="0">
+                <a:solidFill>
+                  <a:srgbClr val="000000"/>
+                </a:solidFill>
+                <a:latin typeface="나눔고딕" panose="020D0604000000000000" pitchFamily="50" charset="-127"/>
+                <a:ea typeface="나눔고딕" panose="020D0604000000000000" pitchFamily="50" charset="-127"/>
+              </a:rPr>
+              <a:t>그 질문들을 어떻게 탐구할 수 있을까요</a:t>
+            </a:r>
+            <a:r>
+              <a:rPr lang="en-US" altLang="ko-KR" sz="2000" dirty="0">
+                <a:solidFill>
+                  <a:srgbClr val="000000"/>
+                </a:solidFill>
+                <a:latin typeface="나눔고딕" panose="020D0604000000000000" pitchFamily="50" charset="-127"/>
+                <a:ea typeface="나눔고딕" panose="020D0604000000000000" pitchFamily="50" charset="-127"/>
+              </a:rPr>
+              <a:t>?</a:t>
+            </a:r>
+            <a:endParaRPr lang="ko-KR" altLang="en-US" sz="2000" dirty="0">
+              <a:latin typeface="나눔고딕" panose="020D0604000000000000" pitchFamily="50" charset="-127"/>
+              <a:ea typeface="나눔고딕" panose="020D0604000000000000" pitchFamily="50" charset="-127"/>
+            </a:endParaRPr>
+          </a:p>
+        </p:txBody>
+      </p:sp>
+    </p:spTree>
+    <p:extLst>
+      <p:ext uri="{BB962C8B-B14F-4D97-AF65-F5344CB8AC3E}">
+        <p14:creationId xmlns:p14="http://schemas.microsoft.com/office/powerpoint/2010/main" val="2296745367"/>
+      </p:ext>
+    </p:extLst>
+  </p:cSld>
+  <p:clrMapOvr>
+    <a:masterClrMapping/>
+  </p:clrMapOvr>
+</p:sld>
+</file>
+
 <file path=ppt/theme/theme1.xml><?xml version="1.0" encoding="utf-8"?>
 <a:theme xmlns:a="http://schemas.openxmlformats.org/drawingml/2006/main" name="Office 테마">
   <a:themeElements>
